--- a/LectureSlides/11NaturalLanguage.pptx
+++ b/LectureSlides/11NaturalLanguage.pptx
@@ -19,15 +19,16 @@
     <p:sldId id="270" r:id="rId13"/>
     <p:sldId id="271" r:id="rId14"/>
     <p:sldId id="272" r:id="rId15"/>
-    <p:sldId id="261" r:id="rId16"/>
-    <p:sldId id="273" r:id="rId17"/>
-    <p:sldId id="262" r:id="rId18"/>
-    <p:sldId id="274" r:id="rId19"/>
-    <p:sldId id="278" r:id="rId20"/>
+    <p:sldId id="273" r:id="rId16"/>
+    <p:sldId id="262" r:id="rId17"/>
+    <p:sldId id="274" r:id="rId18"/>
+    <p:sldId id="278" r:id="rId19"/>
+    <p:sldId id="280" r:id="rId20"/>
     <p:sldId id="275" r:id="rId21"/>
     <p:sldId id="276" r:id="rId22"/>
     <p:sldId id="277" r:id="rId23"/>
     <p:sldId id="263" r:id="rId24"/>
+    <p:sldId id="279" r:id="rId25"/>
   </p:sldIdLst>
   <p:sldSz cx="12192000" cy="6858000"/>
   <p:notesSz cx="6858000" cy="9144000"/>
@@ -5498,7 +5499,7 @@
           <p:cNvPr id="2" name="Title 1">
             <a:extLst>
               <a:ext uri="{FF2B5EF4-FFF2-40B4-BE49-F238E27FC236}">
-                <a16:creationId xmlns:a16="http://schemas.microsoft.com/office/drawing/2014/main" id="{2998B7CF-1AC0-4DAD-41AE-9072E3CEAD80}"/>
+                <a16:creationId xmlns:a16="http://schemas.microsoft.com/office/drawing/2014/main" id="{2BEC0C53-8344-4D79-CFC8-19DCD8C4BBA3}"/>
               </a:ext>
             </a:extLst>
           </p:cNvPr>
@@ -5516,7 +5517,7 @@
           <a:p>
             <a:r>
               <a:rPr lang="en-US" dirty="0"/>
-              <a:t>Inform 7</a:t>
+              <a:t>NL-Programming vs. NL-Processing</a:t>
             </a:r>
           </a:p>
         </p:txBody>
@@ -5526,7 +5527,7 @@
           <p:cNvPr id="3" name="Content Placeholder 2">
             <a:extLst>
               <a:ext uri="{FF2B5EF4-FFF2-40B4-BE49-F238E27FC236}">
-                <a16:creationId xmlns:a16="http://schemas.microsoft.com/office/drawing/2014/main" id="{2175B07D-D3B3-B049-0C2A-CB5DF262ABA6}"/>
+                <a16:creationId xmlns:a16="http://schemas.microsoft.com/office/drawing/2014/main" id="{608237D8-BD5D-0C36-232B-E3E072EAB829}"/>
               </a:ext>
             </a:extLst>
           </p:cNvPr>
@@ -5537,19 +5538,91 @@
             <p:ph idx="1"/>
           </p:nvPr>
         </p:nvSpPr>
-        <p:spPr/>
-        <p:txBody>
-          <a:bodyPr/>
-          <a:lstStyle/>
-          <a:p>
-            <a:endParaRPr lang="en-US"/>
+        <p:spPr>
+          <a:xfrm>
+            <a:off x="1097280" y="1845734"/>
+            <a:ext cx="10438228" cy="4226820"/>
+          </a:xfrm>
+        </p:spPr>
+        <p:txBody>
+          <a:bodyPr>
+            <a:normAutofit lnSpcReduction="10000"/>
+          </a:bodyPr>
+          <a:lstStyle/>
+          <a:p>
+            <a:r>
+              <a:rPr lang="en-US" dirty="0"/>
+              <a:t>Natural language </a:t>
+            </a:r>
+            <a:r>
+              <a:rPr lang="en-US" b="1" dirty="0"/>
+              <a:t>processing</a:t>
+            </a:r>
+            <a:r>
+              <a:rPr lang="en-US" dirty="0"/>
+              <a:t> is a subfield of computing about processing text in computers</a:t>
+            </a:r>
+          </a:p>
+          <a:p>
+            <a:pPr lvl="1"/>
+            <a:r>
+              <a:rPr lang="en-US" dirty="0"/>
+              <a:t>Approaches are often based heavily on machine-learning, little or no overlap in approach between NL-Processing and PL</a:t>
+            </a:r>
+          </a:p>
+          <a:p>
+            <a:r>
+              <a:rPr lang="en-US" dirty="0"/>
+              <a:t>Example problems and applications:</a:t>
+            </a:r>
+          </a:p>
+          <a:p>
+            <a:pPr lvl="1"/>
+            <a:r>
+              <a:rPr lang="en-US" dirty="0"/>
+              <a:t>Machine translation (between NLs)</a:t>
+            </a:r>
+          </a:p>
+          <a:p>
+            <a:pPr lvl="1"/>
+            <a:r>
+              <a:rPr lang="en-US" dirty="0"/>
+              <a:t>Extracting structured data from unstructured text</a:t>
+            </a:r>
+          </a:p>
+          <a:p>
+            <a:pPr lvl="1"/>
+            <a:r>
+              <a:rPr lang="en-US" dirty="0"/>
+              <a:t>Sentiment analysis</a:t>
+            </a:r>
+          </a:p>
+          <a:p>
+            <a:pPr lvl="1"/>
+            <a:r>
+              <a:rPr lang="en-US" dirty="0"/>
+              <a:t>Chatbot</a:t>
+            </a:r>
+          </a:p>
+          <a:p>
+            <a:r>
+              <a:rPr lang="en-US" b="1" dirty="0"/>
+              <a:t>Famous ones</a:t>
+            </a:r>
+            <a:r>
+              <a:rPr lang="en-US" dirty="0"/>
+              <a:t>: ChatGPT + GitHub Copilot (Large Language Models)</a:t>
+            </a:r>
+          </a:p>
+          <a:p>
+            <a:endParaRPr lang="en-US" dirty="0"/>
           </a:p>
         </p:txBody>
       </p:sp>
     </p:spTree>
     <p:extLst>
       <p:ext uri="{BB962C8B-B14F-4D97-AF65-F5344CB8AC3E}">
-        <p14:creationId xmlns:p14="http://schemas.microsoft.com/office/powerpoint/2010/main" val="3581849952"/>
+        <p14:creationId xmlns:p14="http://schemas.microsoft.com/office/powerpoint/2010/main" val="3418016879"/>
       </p:ext>
     </p:extLst>
   </p:cSld>
@@ -5581,7 +5654,7 @@
           <p:cNvPr id="2" name="Title 1">
             <a:extLst>
               <a:ext uri="{FF2B5EF4-FFF2-40B4-BE49-F238E27FC236}">
-                <a16:creationId xmlns:a16="http://schemas.microsoft.com/office/drawing/2014/main" id="{2BEC0C53-8344-4D79-CFC8-19DCD8C4BBA3}"/>
+                <a16:creationId xmlns:a16="http://schemas.microsoft.com/office/drawing/2014/main" id="{4E5FB5DA-A098-E5B7-83E6-AA4132A84CEF}"/>
               </a:ext>
             </a:extLst>
           </p:cNvPr>
@@ -5599,7 +5672,7 @@
           <a:p>
             <a:r>
               <a:rPr lang="en-US" dirty="0"/>
-              <a:t>NL-Programming vs. NL-Processing</a:t>
+              <a:t>Large Language Models</a:t>
             </a:r>
           </a:p>
         </p:txBody>
@@ -5609,7 +5682,7 @@
           <p:cNvPr id="3" name="Content Placeholder 2">
             <a:extLst>
               <a:ext uri="{FF2B5EF4-FFF2-40B4-BE49-F238E27FC236}">
-                <a16:creationId xmlns:a16="http://schemas.microsoft.com/office/drawing/2014/main" id="{608237D8-BD5D-0C36-232B-E3E072EAB829}"/>
+                <a16:creationId xmlns:a16="http://schemas.microsoft.com/office/drawing/2014/main" id="{E6FCF691-433D-EE00-78B6-CA23F448BECC}"/>
               </a:ext>
             </a:extLst>
           </p:cNvPr>
@@ -5620,91 +5693,63 @@
             <p:ph idx="1"/>
           </p:nvPr>
         </p:nvSpPr>
-        <p:spPr>
-          <a:xfrm>
-            <a:off x="1097280" y="1845734"/>
-            <a:ext cx="10438228" cy="4226820"/>
-          </a:xfrm>
-        </p:spPr>
-        <p:txBody>
-          <a:bodyPr>
-            <a:normAutofit lnSpcReduction="10000"/>
-          </a:bodyPr>
-          <a:lstStyle/>
-          <a:p>
-            <a:r>
-              <a:rPr lang="en-US" dirty="0"/>
-              <a:t>Natural language </a:t>
-            </a:r>
-            <a:r>
-              <a:rPr lang="en-US" b="1" dirty="0"/>
-              <a:t>processing</a:t>
-            </a:r>
-            <a:r>
-              <a:rPr lang="en-US" dirty="0"/>
-              <a:t> is a subfield of computing about processing text in computers</a:t>
+        <p:spPr/>
+        <p:txBody>
+          <a:bodyPr/>
+          <a:lstStyle/>
+          <a:p>
+            <a:r>
+              <a:rPr lang="en-US" dirty="0"/>
+              <a:t>Extremely oversimplified explanation:</a:t>
             </a:r>
           </a:p>
           <a:p>
             <a:pPr lvl="1"/>
             <a:r>
               <a:rPr lang="en-US" dirty="0"/>
-              <a:t>Approaches are often based heavily on machine-learning, little or no overlap in approach between NL-Processing and PL</a:t>
-            </a:r>
-          </a:p>
-          <a:p>
-            <a:r>
-              <a:rPr lang="en-US" dirty="0"/>
-              <a:t>Example problems and applications:</a:t>
+              <a:t>Collect extremely large corpus of natural-language text</a:t>
             </a:r>
           </a:p>
           <a:p>
             <a:pPr lvl="1"/>
             <a:r>
               <a:rPr lang="en-US" dirty="0"/>
-              <a:t>Machine translation (between NLs)</a:t>
+              <a:t>Train a (very large) machine learning model on the text</a:t>
             </a:r>
           </a:p>
           <a:p>
             <a:pPr lvl="1"/>
             <a:r>
               <a:rPr lang="en-US" dirty="0"/>
-              <a:t>Extracting structured data from unstructured text</a:t>
+              <a:t>Resulting (generative) model accepts prompt from user as input, predicts each word of response probabilistically based on corpus</a:t>
+            </a:r>
+          </a:p>
+          <a:p>
+            <a:r>
+              <a:rPr lang="en-US" dirty="0"/>
+              <a:t>Large Language Models are very separate from PL design</a:t>
             </a:r>
           </a:p>
           <a:p>
             <a:pPr lvl="1"/>
             <a:r>
               <a:rPr lang="en-US" dirty="0"/>
-              <a:t>Sentiment analysis</a:t>
+              <a:t>PLs typically have small grammars designed by humans with formal semantics</a:t>
             </a:r>
           </a:p>
           <a:p>
             <a:pPr lvl="1"/>
             <a:r>
               <a:rPr lang="en-US" dirty="0"/>
-              <a:t>Chatbot</a:t>
-            </a:r>
-          </a:p>
-          <a:p>
-            <a:r>
-              <a:rPr lang="en-US" b="1" dirty="0"/>
-              <a:t>Famous ones</a:t>
-            </a:r>
-            <a:r>
-              <a:rPr lang="en-US" dirty="0"/>
-              <a:t>: ChatGPT + GitHub Copilot (Large Language Models)</a:t>
-            </a:r>
-          </a:p>
-          <a:p>
-            <a:endParaRPr lang="en-US" dirty="0"/>
+              <a:t>Large language models don’t know about semantics, and rely on sheer volume of data to handle syntax</a:t>
+            </a:r>
           </a:p>
         </p:txBody>
       </p:sp>
     </p:spTree>
     <p:extLst>
       <p:ext uri="{BB962C8B-B14F-4D97-AF65-F5344CB8AC3E}">
-        <p14:creationId xmlns:p14="http://schemas.microsoft.com/office/powerpoint/2010/main" val="3418016879"/>
+        <p14:creationId xmlns:p14="http://schemas.microsoft.com/office/powerpoint/2010/main" val="3632927206"/>
       </p:ext>
     </p:extLst>
   </p:cSld>
@@ -5736,7 +5781,7 @@
           <p:cNvPr id="2" name="Title 1">
             <a:extLst>
               <a:ext uri="{FF2B5EF4-FFF2-40B4-BE49-F238E27FC236}">
-                <a16:creationId xmlns:a16="http://schemas.microsoft.com/office/drawing/2014/main" id="{4E5FB5DA-A098-E5B7-83E6-AA4132A84CEF}"/>
+                <a16:creationId xmlns:a16="http://schemas.microsoft.com/office/drawing/2014/main" id="{36B8CA71-4861-A593-6704-C6A26D7F44D4}"/>
               </a:ext>
             </a:extLst>
           </p:cNvPr>
@@ -5754,7 +5799,7 @@
           <a:p>
             <a:r>
               <a:rPr lang="en-US" dirty="0"/>
-              <a:t>Large Language Models</a:t>
+              <a:t>How Well Can LLMs Program?</a:t>
             </a:r>
           </a:p>
         </p:txBody>
@@ -5764,7 +5809,7 @@
           <p:cNvPr id="3" name="Content Placeholder 2">
             <a:extLst>
               <a:ext uri="{FF2B5EF4-FFF2-40B4-BE49-F238E27FC236}">
-                <a16:creationId xmlns:a16="http://schemas.microsoft.com/office/drawing/2014/main" id="{E6FCF691-433D-EE00-78B6-CA23F448BECC}"/>
+                <a16:creationId xmlns:a16="http://schemas.microsoft.com/office/drawing/2014/main" id="{17722B16-E5A9-BACC-6C67-291594E8FF21}"/>
               </a:ext>
             </a:extLst>
           </p:cNvPr>
@@ -5782,48 +5827,148 @@
           <a:p>
             <a:r>
               <a:rPr lang="en-US" dirty="0"/>
-              <a:t>Extremely oversimplified explanation:</a:t>
+              <a:t>GitHub marketing materials claim 55% faster programming</a:t>
+            </a:r>
+          </a:p>
+          <a:p>
+            <a:r>
+              <a:rPr lang="en-US" dirty="0"/>
+              <a:t>This result is based on a programming task that takes 1-2 hours</a:t>
+            </a:r>
+          </a:p>
+          <a:p>
+            <a:r>
+              <a:rPr lang="en-US" dirty="0"/>
+              <a:t>The basic structure of machine learning models tells us that the complexity and frequency of a task are critical factors in outcome</a:t>
             </a:r>
           </a:p>
           <a:p>
             <a:pPr lvl="1"/>
             <a:r>
-              <a:rPr lang="en-US" dirty="0"/>
-              <a:t>Collect extremely large corpus of natural-language text</a:t>
+              <a:rPr lang="en-US" b="1" dirty="0"/>
+              <a:t>ChatGPT</a:t>
+            </a:r>
+            <a:r>
+              <a:rPr lang="en-US" dirty="0"/>
+              <a:t> passes many standardized tests. This is unsurprising when study materials are widely-available on the internet</a:t>
             </a:r>
           </a:p>
           <a:p>
             <a:pPr lvl="1"/>
             <a:r>
               <a:rPr lang="en-US" dirty="0"/>
-              <a:t>Train a (very large) machine learning model on the text</a:t>
-            </a:r>
-          </a:p>
-          <a:p>
-            <a:pPr lvl="1"/>
-            <a:r>
-              <a:rPr lang="en-US" dirty="0"/>
-              <a:t>Resulting (generative) model accepts prompt from user as input, predicts each word of response probabilistically based on corpus</a:t>
-            </a:r>
-          </a:p>
-          <a:p>
-            <a:r>
-              <a:rPr lang="en-US" dirty="0"/>
-              <a:t>Large Language Models are very separate from PL design</a:t>
-            </a:r>
-          </a:p>
-          <a:p>
-            <a:pPr lvl="1"/>
-            <a:r>
-              <a:rPr lang="en-US" dirty="0"/>
-              <a:t>PLs typically have small grammars designed by humans with formal semantics</a:t>
-            </a:r>
-          </a:p>
-          <a:p>
-            <a:pPr lvl="1"/>
-            <a:r>
-              <a:rPr lang="en-US" dirty="0"/>
-              <a:t>Large language models don’t know about semantics, and rely on sheer volume of data to handle syntax</a:t>
+              <a:t>Likewise, ChatGPT and Copilot can solve many introductory programming problems for which many students have posted online solutions</a:t>
+            </a:r>
+          </a:p>
+          <a:p>
+            <a:r>
+              <a:rPr lang="en-US" dirty="0"/>
+              <a:t>In our careers, most effort is, in contrast, spent on long-lived projects</a:t>
+            </a:r>
+          </a:p>
+        </p:txBody>
+      </p:sp>
+      <p:sp>
+        <p:nvSpPr>
+          <p:cNvPr id="5" name="TextBox 4">
+            <a:extLst>
+              <a:ext uri="{FF2B5EF4-FFF2-40B4-BE49-F238E27FC236}">
+                <a16:creationId xmlns:a16="http://schemas.microsoft.com/office/drawing/2014/main" id="{DC771B27-6F1D-0EF7-0933-910E6E9AB393}"/>
+              </a:ext>
+            </a:extLst>
+          </p:cNvPr>
+          <p:cNvSpPr txBox="1"/>
+          <p:nvPr/>
+        </p:nvSpPr>
+        <p:spPr>
+          <a:xfrm>
+            <a:off x="46893" y="6441776"/>
+            <a:ext cx="6096000" cy="369332"/>
+          </a:xfrm>
+          <a:prstGeom prst="rect">
+            <a:avLst/>
+          </a:prstGeom>
+          <a:noFill/>
+        </p:spPr>
+        <p:txBody>
+          <a:bodyPr wrap="square">
+            <a:spAutoFit/>
+          </a:bodyPr>
+          <a:lstStyle/>
+          <a:p>
+            <a:r>
+              <a:rPr lang="en-US" dirty="0"/>
+              <a:t>https://resources.github.com/copilot-for-business/</a:t>
+            </a:r>
+          </a:p>
+        </p:txBody>
+      </p:sp>
+      <p:sp>
+        <p:nvSpPr>
+          <p:cNvPr id="7" name="TextBox 6">
+            <a:extLst>
+              <a:ext uri="{FF2B5EF4-FFF2-40B4-BE49-F238E27FC236}">
+                <a16:creationId xmlns:a16="http://schemas.microsoft.com/office/drawing/2014/main" id="{09F0B015-4417-D10C-1EF6-0CB2947B3202}"/>
+              </a:ext>
+            </a:extLst>
+          </p:cNvPr>
+          <p:cNvSpPr txBox="1"/>
+          <p:nvPr/>
+        </p:nvSpPr>
+        <p:spPr>
+          <a:xfrm>
+            <a:off x="6260122" y="6441776"/>
+            <a:ext cx="4895557" cy="369332"/>
+          </a:xfrm>
+          <a:prstGeom prst="rect">
+            <a:avLst/>
+          </a:prstGeom>
+          <a:noFill/>
+        </p:spPr>
+        <p:txBody>
+          <a:bodyPr wrap="square">
+            <a:spAutoFit/>
+          </a:bodyPr>
+          <a:lstStyle/>
+          <a:p>
+            <a:r>
+              <a:rPr lang="en-US" dirty="0"/>
+              <a:t>https://queue.acm.org/detail.cfm?id=3454124</a:t>
+            </a:r>
+          </a:p>
+        </p:txBody>
+      </p:sp>
+      <p:sp>
+        <p:nvSpPr>
+          <p:cNvPr id="9" name="TextBox 8">
+            <a:extLst>
+              <a:ext uri="{FF2B5EF4-FFF2-40B4-BE49-F238E27FC236}">
+                <a16:creationId xmlns:a16="http://schemas.microsoft.com/office/drawing/2014/main" id="{03146845-4F5B-F5E6-CD2D-6ECD47F9C83E}"/>
+              </a:ext>
+            </a:extLst>
+          </p:cNvPr>
+          <p:cNvSpPr txBox="1"/>
+          <p:nvPr/>
+        </p:nvSpPr>
+        <p:spPr>
+          <a:xfrm>
+            <a:off x="46893" y="5981766"/>
+            <a:ext cx="11617569" cy="369332"/>
+          </a:xfrm>
+          <a:prstGeom prst="rect">
+            <a:avLst/>
+          </a:prstGeom>
+          <a:noFill/>
+        </p:spPr>
+        <p:txBody>
+          <a:bodyPr wrap="square">
+            <a:spAutoFit/>
+          </a:bodyPr>
+          <a:lstStyle/>
+          <a:p>
+            <a:r>
+              <a:rPr lang="en-US" dirty="0"/>
+              <a:t>https://github.blog/2022-09-07-research-quantifying-github-copilots-impact-on-developer-productivity-and-happiness/</a:t>
             </a:r>
           </a:p>
         </p:txBody>
@@ -5831,7 +5976,7 @@
     </p:spTree>
     <p:extLst>
       <p:ext uri="{BB962C8B-B14F-4D97-AF65-F5344CB8AC3E}">
-        <p14:creationId xmlns:p14="http://schemas.microsoft.com/office/powerpoint/2010/main" val="3632927206"/>
+        <p14:creationId xmlns:p14="http://schemas.microsoft.com/office/powerpoint/2010/main" val="1489061038"/>
       </p:ext>
     </p:extLst>
   </p:cSld>
@@ -5863,7 +6008,7 @@
           <p:cNvPr id="2" name="Title 1">
             <a:extLst>
               <a:ext uri="{FF2B5EF4-FFF2-40B4-BE49-F238E27FC236}">
-                <a16:creationId xmlns:a16="http://schemas.microsoft.com/office/drawing/2014/main" id="{36B8CA71-4861-A593-6704-C6A26D7F44D4}"/>
+                <a16:creationId xmlns:a16="http://schemas.microsoft.com/office/drawing/2014/main" id="{8D7184CB-B2D1-1C81-334B-CDA9B26AF8CB}"/>
               </a:ext>
             </a:extLst>
           </p:cNvPr>
@@ -5881,7 +6026,7 @@
           <a:p>
             <a:r>
               <a:rPr lang="en-US" dirty="0"/>
-              <a:t>How Well Can LLMs Program?</a:t>
+              <a:t>How Happy is the Coder? SPACE Model</a:t>
             </a:r>
           </a:p>
         </p:txBody>
@@ -5891,7 +6036,7 @@
           <p:cNvPr id="3" name="Content Placeholder 2">
             <a:extLst>
               <a:ext uri="{FF2B5EF4-FFF2-40B4-BE49-F238E27FC236}">
-                <a16:creationId xmlns:a16="http://schemas.microsoft.com/office/drawing/2014/main" id="{17722B16-E5A9-BACC-6C67-291594E8FF21}"/>
+                <a16:creationId xmlns:a16="http://schemas.microsoft.com/office/drawing/2014/main" id="{BDBF6876-1BC7-3945-30DC-B209C3BC412B}"/>
               </a:ext>
             </a:extLst>
           </p:cNvPr>
@@ -5904,161 +6049,92 @@
         </p:nvSpPr>
         <p:spPr/>
         <p:txBody>
-          <a:bodyPr/>
-          <a:lstStyle/>
-          <a:p>
-            <a:r>
-              <a:rPr lang="en-US" dirty="0"/>
-              <a:t>GitHub marketing materials claim 55% faster programming</a:t>
-            </a:r>
-          </a:p>
-          <a:p>
-            <a:r>
-              <a:rPr lang="en-US" dirty="0"/>
-              <a:t>This result is based on a programming task that takes 1-2 hours</a:t>
-            </a:r>
-          </a:p>
-          <a:p>
-            <a:r>
-              <a:rPr lang="en-US" dirty="0"/>
-              <a:t>The basic structure of machine learning models tells us that the complexity and frequency of a task are critical factors in outcome</a:t>
+          <a:bodyPr>
+            <a:normAutofit lnSpcReduction="10000"/>
+          </a:bodyPr>
+          <a:lstStyle/>
+          <a:p>
+            <a:r>
+              <a:rPr lang="en-US" dirty="0"/>
+              <a:t>Recognizing the complexity of simple time metrics, the GitHub marketing materials use the </a:t>
+            </a:r>
+            <a:r>
+              <a:rPr lang="en-US" b="1" dirty="0"/>
+              <a:t>SPACE</a:t>
+            </a:r>
+            <a:r>
+              <a:rPr lang="en-US" dirty="0"/>
+              <a:t> model of coder productivity</a:t>
             </a:r>
           </a:p>
           <a:p>
             <a:pPr lvl="1"/>
             <a:r>
               <a:rPr lang="en-US" b="1" dirty="0"/>
-              <a:t>ChatGPT</a:t>
-            </a:r>
-            <a:r>
-              <a:rPr lang="en-US" dirty="0"/>
-              <a:t> passes many standardized tests. This is unsurprising when study materials are widely-available on the internet</a:t>
+              <a:t>S</a:t>
+            </a:r>
+            <a:r>
+              <a:rPr lang="en-US" dirty="0"/>
+              <a:t>atisfaction and well-being: How fulfilled to developers feel with their job? Would they recommend their team? Do they report burnout?</a:t>
             </a:r>
           </a:p>
           <a:p>
             <a:pPr lvl="1"/>
             <a:r>
-              <a:rPr lang="en-US" dirty="0"/>
-              <a:t>Likewise, ChatGPT and Copilot can solve many introductory programming problems for which many students have posted online solutions</a:t>
-            </a:r>
-          </a:p>
-          <a:p>
-            <a:r>
-              <a:rPr lang="en-US" dirty="0"/>
-              <a:t>In our careers, most effort is, in contrast, spent on long-lived projects</a:t>
-            </a:r>
-          </a:p>
-        </p:txBody>
-      </p:sp>
-      <p:sp>
-        <p:nvSpPr>
-          <p:cNvPr id="5" name="TextBox 4">
-            <a:extLst>
-              <a:ext uri="{FF2B5EF4-FFF2-40B4-BE49-F238E27FC236}">
-                <a16:creationId xmlns:a16="http://schemas.microsoft.com/office/drawing/2014/main" id="{DC771B27-6F1D-0EF7-0933-910E6E9AB393}"/>
-              </a:ext>
-            </a:extLst>
-          </p:cNvPr>
-          <p:cNvSpPr txBox="1"/>
-          <p:nvPr/>
-        </p:nvSpPr>
-        <p:spPr>
-          <a:xfrm>
-            <a:off x="46893" y="6441776"/>
-            <a:ext cx="6096000" cy="369332"/>
-          </a:xfrm>
-          <a:prstGeom prst="rect">
-            <a:avLst/>
-          </a:prstGeom>
-          <a:noFill/>
-        </p:spPr>
-        <p:txBody>
-          <a:bodyPr wrap="square">
-            <a:spAutoFit/>
-          </a:bodyPr>
-          <a:lstStyle/>
-          <a:p>
-            <a:r>
-              <a:rPr lang="en-US" dirty="0"/>
-              <a:t>https://resources.github.com/copilot-for-business/</a:t>
-            </a:r>
-          </a:p>
-        </p:txBody>
-      </p:sp>
-      <p:sp>
-        <p:nvSpPr>
-          <p:cNvPr id="7" name="TextBox 6">
-            <a:extLst>
-              <a:ext uri="{FF2B5EF4-FFF2-40B4-BE49-F238E27FC236}">
-                <a16:creationId xmlns:a16="http://schemas.microsoft.com/office/drawing/2014/main" id="{09F0B015-4417-D10C-1EF6-0CB2947B3202}"/>
-              </a:ext>
-            </a:extLst>
-          </p:cNvPr>
-          <p:cNvSpPr txBox="1"/>
-          <p:nvPr/>
-        </p:nvSpPr>
-        <p:spPr>
-          <a:xfrm>
-            <a:off x="6260122" y="6441776"/>
-            <a:ext cx="4895557" cy="369332"/>
-          </a:xfrm>
-          <a:prstGeom prst="rect">
-            <a:avLst/>
-          </a:prstGeom>
-          <a:noFill/>
-        </p:spPr>
-        <p:txBody>
-          <a:bodyPr wrap="square">
-            <a:spAutoFit/>
-          </a:bodyPr>
-          <a:lstStyle/>
-          <a:p>
-            <a:r>
-              <a:rPr lang="en-US" dirty="0"/>
-              <a:t>https://queue.acm.org/detail.cfm?id=3454124</a:t>
-            </a:r>
-          </a:p>
-        </p:txBody>
-      </p:sp>
-      <p:sp>
-        <p:nvSpPr>
-          <p:cNvPr id="9" name="TextBox 8">
-            <a:extLst>
-              <a:ext uri="{FF2B5EF4-FFF2-40B4-BE49-F238E27FC236}">
-                <a16:creationId xmlns:a16="http://schemas.microsoft.com/office/drawing/2014/main" id="{03146845-4F5B-F5E6-CD2D-6ECD47F9C83E}"/>
-              </a:ext>
-            </a:extLst>
-          </p:cNvPr>
-          <p:cNvSpPr txBox="1"/>
-          <p:nvPr/>
-        </p:nvSpPr>
-        <p:spPr>
-          <a:xfrm>
-            <a:off x="46893" y="5981766"/>
-            <a:ext cx="11617569" cy="369332"/>
-          </a:xfrm>
-          <a:prstGeom prst="rect">
-            <a:avLst/>
-          </a:prstGeom>
-          <a:noFill/>
-        </p:spPr>
-        <p:txBody>
-          <a:bodyPr wrap="square">
-            <a:spAutoFit/>
-          </a:bodyPr>
-          <a:lstStyle/>
-          <a:p>
-            <a:r>
-              <a:rPr lang="en-US" dirty="0"/>
-              <a:t>https://github.blog/2022-09-07-research-quantifying-github-copilots-impact-on-developer-productivity-and-happiness/</a:t>
-            </a:r>
+              <a:rPr lang="en-US" b="1" dirty="0"/>
+              <a:t>P</a:t>
+            </a:r>
+            <a:r>
+              <a:rPr lang="en-US" dirty="0"/>
+              <a:t>erformance: Is code reliable and low-bug? Are customers satisfied, retained?</a:t>
+            </a:r>
+          </a:p>
+          <a:p>
+            <a:pPr lvl="1"/>
+            <a:r>
+              <a:rPr lang="en-US" b="1" dirty="0"/>
+              <a:t>A</a:t>
+            </a:r>
+            <a:r>
+              <a:rPr lang="en-US" dirty="0"/>
+              <a:t>ctivity: How frequently do different work activities occur? Tests, releases, specs, commits, code reviews, …</a:t>
+            </a:r>
+          </a:p>
+          <a:p>
+            <a:pPr lvl="1"/>
+            <a:r>
+              <a:rPr lang="en-US" b="1" dirty="0"/>
+              <a:t>C</a:t>
+            </a:r>
+            <a:r>
+              <a:rPr lang="en-US" dirty="0"/>
+              <a:t>ommunication and collaboration: How well do the team work together? Effective onboarding process? Easy to discover right information?</a:t>
+            </a:r>
+          </a:p>
+          <a:p>
+            <a:pPr lvl="1"/>
+            <a:r>
+              <a:rPr lang="en-US" b="1" dirty="0"/>
+              <a:t>E</a:t>
+            </a:r>
+            <a:r>
+              <a:rPr lang="en-US" dirty="0"/>
+              <a:t>fficiency and flow: How frequently are developers interrupted? How many people are required for common development processes?</a:t>
+            </a:r>
+            <a:endParaRPr lang="en-US" b="1" dirty="0"/>
+          </a:p>
+          <a:p>
+            <a:endParaRPr lang="en-US" dirty="0"/>
+          </a:p>
+          <a:p>
+            <a:endParaRPr lang="en-US" dirty="0"/>
           </a:p>
         </p:txBody>
       </p:sp>
     </p:spTree>
     <p:extLst>
       <p:ext uri="{BB962C8B-B14F-4D97-AF65-F5344CB8AC3E}">
-        <p14:creationId xmlns:p14="http://schemas.microsoft.com/office/powerpoint/2010/main" val="1489061038"/>
+        <p14:creationId xmlns:p14="http://schemas.microsoft.com/office/powerpoint/2010/main" val="2863154660"/>
       </p:ext>
     </p:extLst>
   </p:cSld>
@@ -6090,7 +6166,7 @@
           <p:cNvPr id="2" name="Title 1">
             <a:extLst>
               <a:ext uri="{FF2B5EF4-FFF2-40B4-BE49-F238E27FC236}">
-                <a16:creationId xmlns:a16="http://schemas.microsoft.com/office/drawing/2014/main" id="{8D7184CB-B2D1-1C81-334B-CDA9B26AF8CB}"/>
+                <a16:creationId xmlns:a16="http://schemas.microsoft.com/office/drawing/2014/main" id="{1908FBC9-1EB7-4B51-D995-993EB833AEA4}"/>
               </a:ext>
             </a:extLst>
           </p:cNvPr>
@@ -6108,7 +6184,7 @@
           <a:p>
             <a:r>
               <a:rPr lang="en-US" dirty="0"/>
-              <a:t>How Happy is the Coder? SPACE Model</a:t>
+              <a:t>The SPACE Lens on Copilot</a:t>
             </a:r>
           </a:p>
         </p:txBody>
@@ -6118,7 +6194,7 @@
           <p:cNvPr id="3" name="Content Placeholder 2">
             <a:extLst>
               <a:ext uri="{FF2B5EF4-FFF2-40B4-BE49-F238E27FC236}">
-                <a16:creationId xmlns:a16="http://schemas.microsoft.com/office/drawing/2014/main" id="{BDBF6876-1BC7-3945-30DC-B209C3BC412B}"/>
+                <a16:creationId xmlns:a16="http://schemas.microsoft.com/office/drawing/2014/main" id="{3AA15F5F-0919-B5A7-06DC-6F8375BA5365}"/>
               </a:ext>
             </a:extLst>
           </p:cNvPr>
@@ -6129,92 +6205,117 @@
             <p:ph idx="1"/>
           </p:nvPr>
         </p:nvSpPr>
-        <p:spPr/>
-        <p:txBody>
-          <a:bodyPr/>
-          <a:lstStyle/>
-          <a:p>
-            <a:r>
-              <a:rPr lang="en-US" dirty="0"/>
-              <a:t>Recognizing the complexity of simple time metrics, the GitHub marketing materials use the </a:t>
-            </a:r>
+        <p:spPr>
+          <a:xfrm>
+            <a:off x="1097280" y="1845734"/>
+            <a:ext cx="10466070" cy="4023360"/>
+          </a:xfrm>
+        </p:spPr>
+        <p:txBody>
+          <a:bodyPr>
+            <a:normAutofit fontScale="92500"/>
+          </a:bodyPr>
+          <a:lstStyle/>
+          <a:p>
+            <a:r>
+              <a:rPr lang="en-US" dirty="0"/>
+              <a:t>The SPACE model recognizes the importance of </a:t>
+            </a:r>
+            <a:r>
+              <a:rPr lang="en-US" b="1" i="1" dirty="0"/>
+              <a:t>programmer experience, </a:t>
+            </a:r>
+            <a:r>
+              <a:rPr lang="en-US" dirty="0"/>
+              <a:t>a holistic view of a programmer’s interaction with their tools and others</a:t>
+            </a:r>
+          </a:p>
+          <a:p>
+            <a:r>
+              <a:rPr lang="en-US" dirty="0"/>
+              <a:t>In the GitHub-sponsored study, programmers reported increased feeling of flow, i.e., decreased feeling of distraction</a:t>
+            </a:r>
+          </a:p>
+          <a:p>
+            <a:r>
+              <a:rPr lang="en-US" dirty="0"/>
+              <a:t>Many of the programmers cited a decreased need to search for documentation, with Copilot serving effectively as advanced search engine</a:t>
+            </a:r>
+          </a:p>
+          <a:p>
+            <a:r>
+              <a:rPr lang="en-US" dirty="0"/>
+              <a:t>Independent researchers who </a:t>
+            </a:r>
+            <a:r>
+              <a:rPr lang="en-US" b="1" i="1" dirty="0"/>
+              <a:t>disagreed</a:t>
+            </a:r>
+            <a:r>
+              <a:rPr lang="en-US" dirty="0"/>
+              <a:t> with GitHub task-completion time metrics </a:t>
+            </a:r>
+            <a:r>
+              <a:rPr lang="en-US" b="1" i="1" dirty="0"/>
+              <a:t>agreed</a:t>
+            </a:r>
+            <a:r>
+              <a:rPr lang="en-US" dirty="0"/>
+              <a:t> with benefits to programmer experience</a:t>
+            </a:r>
+          </a:p>
+          <a:p>
             <a:r>
               <a:rPr lang="en-US" b="1" dirty="0"/>
-              <a:t>SPACE</a:t>
-            </a:r>
-            <a:r>
-              <a:rPr lang="en-US" dirty="0"/>
-              <a:t> model of coder productivity</a:t>
-            </a:r>
-          </a:p>
-          <a:p>
-            <a:pPr lvl="1"/>
-            <a:r>
-              <a:rPr lang="en-US" b="1" dirty="0"/>
-              <a:t>S</a:t>
-            </a:r>
-            <a:r>
-              <a:rPr lang="en-US" dirty="0"/>
-              <a:t>atisfaction and well-being: How fulfilled to developers feel with their job? Would they recommend their team? Do they report burnout?</a:t>
-            </a:r>
-          </a:p>
-          <a:p>
-            <a:pPr lvl="1"/>
-            <a:r>
-              <a:rPr lang="en-US" b="1" dirty="0"/>
-              <a:t>P</a:t>
-            </a:r>
-            <a:r>
-              <a:rPr lang="en-US" dirty="0"/>
-              <a:t>erformance:</a:t>
-            </a:r>
-          </a:p>
-          <a:p>
-            <a:pPr lvl="1"/>
-            <a:r>
-              <a:rPr lang="en-US" b="1" dirty="0"/>
-              <a:t>A</a:t>
-            </a:r>
-            <a:r>
-              <a:rPr lang="en-US" dirty="0"/>
-              <a:t>ctivity:</a:t>
-            </a:r>
-          </a:p>
-          <a:p>
-            <a:pPr lvl="1"/>
-            <a:r>
-              <a:rPr lang="en-US" b="1" dirty="0"/>
-              <a:t>C</a:t>
-            </a:r>
-            <a:r>
-              <a:rPr lang="en-US" dirty="0"/>
-              <a:t>ommunication and collaboration:</a:t>
-            </a:r>
-          </a:p>
-          <a:p>
-            <a:pPr lvl="1"/>
-            <a:r>
-              <a:rPr lang="en-US" b="1" dirty="0"/>
-              <a:t>E</a:t>
-            </a:r>
-            <a:r>
-              <a:rPr lang="en-US" dirty="0"/>
-              <a:t>fficiency and flow:</a:t>
+              <a:t>Discuss: </a:t>
+            </a:r>
+            <a:r>
+              <a:rPr lang="en-US" dirty="0"/>
+              <a:t>Have you used these tools? Do your experiences align?</a:t>
             </a:r>
             <a:endParaRPr lang="en-US" b="1" dirty="0"/>
           </a:p>
-          <a:p>
-            <a:endParaRPr lang="en-US" dirty="0"/>
-          </a:p>
-          <a:p>
-            <a:endParaRPr lang="en-US" dirty="0"/>
+        </p:txBody>
+      </p:sp>
+      <p:sp>
+        <p:nvSpPr>
+          <p:cNvPr id="5" name="TextBox 4">
+            <a:extLst>
+              <a:ext uri="{FF2B5EF4-FFF2-40B4-BE49-F238E27FC236}">
+                <a16:creationId xmlns:a16="http://schemas.microsoft.com/office/drawing/2014/main" id="{E75D6894-F581-530E-87C8-E5B6AD2A3115}"/>
+              </a:ext>
+            </a:extLst>
+          </p:cNvPr>
+          <p:cNvSpPr txBox="1"/>
+          <p:nvPr/>
+        </p:nvSpPr>
+        <p:spPr>
+          <a:xfrm>
+            <a:off x="1097280" y="6488668"/>
+            <a:ext cx="6096000" cy="369332"/>
+          </a:xfrm>
+          <a:prstGeom prst="rect">
+            <a:avLst/>
+          </a:prstGeom>
+          <a:noFill/>
+        </p:spPr>
+        <p:txBody>
+          <a:bodyPr wrap="square">
+            <a:spAutoFit/>
+          </a:bodyPr>
+          <a:lstStyle/>
+          <a:p>
+            <a:r>
+              <a:rPr lang="en-US" dirty="0"/>
+              <a:t>https://dl.acm.org/doi/pdf/10.1145/3491101.3519665</a:t>
+            </a:r>
           </a:p>
         </p:txBody>
       </p:sp>
     </p:spTree>
     <p:extLst>
       <p:ext uri="{BB962C8B-B14F-4D97-AF65-F5344CB8AC3E}">
-        <p14:creationId xmlns:p14="http://schemas.microsoft.com/office/powerpoint/2010/main" val="2863154660"/>
+        <p14:creationId xmlns:p14="http://schemas.microsoft.com/office/powerpoint/2010/main" val="1723980510"/>
       </p:ext>
     </p:extLst>
   </p:cSld>
@@ -6428,11 +6529,122 @@
             <p:ph idx="1"/>
           </p:nvPr>
         </p:nvSpPr>
-        <p:spPr/>
-        <p:txBody>
-          <a:bodyPr/>
-          <a:lstStyle/>
-          <a:p>
+        <p:spPr>
+          <a:xfrm>
+            <a:off x="1097279" y="1845734"/>
+            <a:ext cx="10551795" cy="4023360"/>
+          </a:xfrm>
+        </p:spPr>
+        <p:txBody>
+          <a:bodyPr>
+            <a:normAutofit/>
+          </a:bodyPr>
+          <a:lstStyle/>
+          <a:p>
+            <a:r>
+              <a:rPr lang="en-US" dirty="0"/>
+              <a:t>It is not unheard of for researchers to chase latest trends. Some topics:</a:t>
+            </a:r>
+          </a:p>
+          <a:p>
+            <a:pPr lvl="1"/>
+            <a:r>
+              <a:rPr lang="en-US" dirty="0"/>
+              <a:t>Copilot Effectiveness? </a:t>
+            </a:r>
+            <a:r>
+              <a:rPr lang="en-US" dirty="0">
+                <a:hlinkClick r:id="rId2"/>
+              </a:rPr>
+              <a:t>https://dl.acm.org/doi/pdf/10.1145/3491101.3519665</a:t>
+            </a:r>
+            <a:endParaRPr lang="en-US" dirty="0"/>
+          </a:p>
+          <a:p>
+            <a:pPr lvl="1"/>
+            <a:r>
+              <a:rPr lang="en-US" dirty="0"/>
+              <a:t>Writing formal proofs: </a:t>
+            </a:r>
+            <a:r>
+              <a:rPr lang="en-US" dirty="0">
+                <a:hlinkClick r:id="rId3"/>
+              </a:rPr>
+              <a:t>https://proceedings.neurips.cc/paper_files/paper/2022/file/d0c6bc641a56bebee9d985b937307367-Paper-Conference.pdf</a:t>
+            </a:r>
+            <a:endParaRPr lang="en-US" dirty="0"/>
+          </a:p>
+          <a:p>
+            <a:pPr lvl="1"/>
+            <a:r>
+              <a:rPr lang="en-US" dirty="0"/>
+              <a:t>Program synthesis: </a:t>
+            </a:r>
+            <a:r>
+              <a:rPr lang="en-US" dirty="0">
+                <a:hlinkClick r:id="rId4"/>
+              </a:rPr>
+              <a:t>https://arxiv.org/pdf/2108.07732</a:t>
+            </a:r>
+            <a:endParaRPr lang="en-US" dirty="0"/>
+          </a:p>
+          <a:p>
+            <a:pPr lvl="1"/>
+            <a:r>
+              <a:rPr lang="en-US" dirty="0"/>
+              <a:t>Transferability: </a:t>
+            </a:r>
+            <a:r>
+              <a:rPr lang="en-US" dirty="0">
+                <a:hlinkClick r:id="rId5"/>
+              </a:rPr>
+              <a:t>https://dl.acm.org/doi/pdf/10.1145/3524610.3527917</a:t>
+            </a:r>
+            <a:endParaRPr lang="en-US" dirty="0"/>
+          </a:p>
+          <a:p>
+            <a:pPr lvl="1"/>
+            <a:r>
+              <a:rPr lang="en-US" dirty="0"/>
+              <a:t>PLs for Prompts: </a:t>
+            </a:r>
+            <a:r>
+              <a:rPr lang="en-US" dirty="0">
+                <a:hlinkClick r:id="rId6"/>
+              </a:rPr>
+              <a:t>https://dl.acm.org/doi/abs/10.1145/3411763.3451760</a:t>
+            </a:r>
+            <a:br>
+              <a:rPr lang="en-US" dirty="0"/>
+            </a:br>
+            <a:r>
+              <a:rPr lang="en-US" dirty="0">
+                <a:hlinkClick r:id="rId7"/>
+              </a:rPr>
+              <a:t>https://dl.acm.org/doi/pdf/10.1145/3591300</a:t>
+            </a:r>
+            <a:endParaRPr lang="en-US" dirty="0"/>
+          </a:p>
+          <a:p>
+            <a:pPr marL="201168" lvl="1" indent="0">
+              <a:buNone/>
+            </a:pPr>
+            <a:r>
+              <a:rPr lang="en-US" b="1" dirty="0"/>
+              <a:t>Is this research any good? </a:t>
+            </a:r>
+            <a:r>
+              <a:rPr lang="en-US" dirty="0"/>
+              <a:t>We’ll know in 10 years</a:t>
+            </a:r>
+            <a:endParaRPr lang="en-US" b="1" dirty="0"/>
+          </a:p>
+          <a:p>
+            <a:pPr lvl="1"/>
+            <a:endParaRPr lang="en-US" dirty="0"/>
+          </a:p>
+          <a:p>
+            <a:pPr lvl="1"/>
             <a:endParaRPr lang="en-US" dirty="0"/>
           </a:p>
         </p:txBody>
@@ -6513,8 +6725,49 @@
         </p:nvSpPr>
         <p:spPr/>
         <p:txBody>
-          <a:bodyPr/>
-          <a:lstStyle/>
+          <a:bodyPr>
+            <a:normAutofit lnSpcReduction="10000"/>
+          </a:bodyPr>
+          <a:lstStyle/>
+          <a:p>
+            <a:r>
+              <a:rPr lang="en-US" dirty="0"/>
+              <a:t>LLMs only work with an extremely large corpus of text. So large that constructing it manually by the developers is not a realistic option</a:t>
+            </a:r>
+          </a:p>
+          <a:p>
+            <a:r>
+              <a:rPr lang="en-US" dirty="0"/>
+              <a:t>The Internet is the only corpus large enough for this purpose</a:t>
+            </a:r>
+          </a:p>
+          <a:p>
+            <a:r>
+              <a:rPr lang="en-US" dirty="0"/>
+              <a:t>The Internet contains huge amounts of copyrighted material which permits humans to read it but not to create derivative works</a:t>
+            </a:r>
+          </a:p>
+          <a:p>
+            <a:r>
+              <a:rPr lang="en-US" dirty="0"/>
+              <a:t>For this reason, LLMs and other generative AI have been criticized as a form of intellectual property theft</a:t>
+            </a:r>
+          </a:p>
+          <a:p>
+            <a:pPr lvl="1"/>
+            <a:r>
+              <a:rPr lang="en-US" dirty="0"/>
+              <a:t>For example, visual artists who work by commission have voiced widespread concern over career implications of </a:t>
+            </a:r>
+            <a:r>
+              <a:rPr lang="en-US" dirty="0" err="1"/>
+              <a:t>Midjourney</a:t>
+            </a:r>
+            <a:r>
+              <a:rPr lang="en-US" dirty="0"/>
+              <a:t> </a:t>
+            </a:r>
+          </a:p>
           <a:p>
             <a:endParaRPr lang="en-US" dirty="0"/>
           </a:p>
@@ -6599,7 +6852,22 @@
           <a:bodyPr/>
           <a:lstStyle/>
           <a:p>
-            <a:endParaRPr lang="en-US"/>
+            <a:r>
+              <a:rPr lang="en-US" dirty="0"/>
+              <a:t>NL-Processing includes many techniques. How might other techniques support PL?</a:t>
+            </a:r>
+          </a:p>
+          <a:p>
+            <a:r>
+              <a:rPr lang="en-US" dirty="0"/>
+              <a:t>Grammar-checking for natural language is an NL-Processing problem. Extensions to NL-Programming could be explored, e.g., for generating error messages</a:t>
+            </a:r>
+          </a:p>
+          <a:p>
+            <a:r>
+              <a:rPr lang="en-US" dirty="0"/>
+              <a:t>Sentiment analysis is the problem of detecting the human sentiment behind a text. This could be applied to comments in order to detect anything from programmer frustration to hate speech</a:t>
+            </a:r>
           </a:p>
         </p:txBody>
       </p:sp>
@@ -6679,10 +6947,56 @@
         </p:nvSpPr>
         <p:spPr/>
         <p:txBody>
-          <a:bodyPr/>
-          <a:lstStyle/>
-          <a:p>
-            <a:endParaRPr lang="en-US"/>
+          <a:bodyPr>
+            <a:normAutofit fontScale="92500"/>
+          </a:bodyPr>
+          <a:lstStyle/>
+          <a:p>
+            <a:r>
+              <a:rPr lang="en-US" dirty="0"/>
+              <a:t>NL-Programming language syntaxes are not common today. </a:t>
+            </a:r>
+            <a:br>
+              <a:rPr lang="en-US" dirty="0"/>
+            </a:br>
+            <a:r>
+              <a:rPr lang="en-US" dirty="0"/>
+              <a:t>Why study them?</a:t>
+            </a:r>
+          </a:p>
+          <a:p>
+            <a:r>
+              <a:rPr lang="en-US" dirty="0"/>
+              <a:t>NL-Programming languages serve as case studies to reinforce recurring themes from the course:</a:t>
+            </a:r>
+          </a:p>
+          <a:p>
+            <a:r>
+              <a:rPr lang="en-US" b="1" dirty="0"/>
+              <a:t>Defining the Programmer: </a:t>
+            </a:r>
+            <a:r>
+              <a:rPr lang="en-US" dirty="0"/>
+              <a:t>A PL is designed with a specific audience of programmers in mind. FLOW-MATIC: “business + military”</a:t>
+            </a:r>
+          </a:p>
+          <a:p>
+            <a:r>
+              <a:rPr lang="en-US" b="1" dirty="0"/>
+              <a:t>Continuity: </a:t>
+            </a:r>
+            <a:r>
+              <a:rPr lang="en-US" dirty="0"/>
+              <a:t>Designers must be aware of expected familiar knowledge, which can be used to reduce learning curve. English syntax might make PL more accessible for </a:t>
+            </a:r>
+            <a:r>
+              <a:rPr lang="en-US" b="1" i="1" dirty="0"/>
+              <a:t>only</a:t>
+            </a:r>
+            <a:r>
+              <a:rPr lang="en-US" dirty="0"/>
+              <a:t> native English speakers</a:t>
+            </a:r>
           </a:p>
         </p:txBody>
       </p:sp>
@@ -6690,6 +7004,127 @@
     <p:extLst>
       <p:ext uri="{BB962C8B-B14F-4D97-AF65-F5344CB8AC3E}">
         <p14:creationId xmlns:p14="http://schemas.microsoft.com/office/powerpoint/2010/main" val="3773193402"/>
+      </p:ext>
+    </p:extLst>
+  </p:cSld>
+  <p:clrMapOvr>
+    <a:masterClrMapping/>
+  </p:clrMapOvr>
+</p:sld>
+</file>
+
+<file path=ppt/slides/slide24.xml><?xml version="1.0" encoding="utf-8"?>
+<p:sld xmlns:a="http://schemas.openxmlformats.org/drawingml/2006/main" xmlns:r="http://schemas.openxmlformats.org/officeDocument/2006/relationships" xmlns:p="http://schemas.openxmlformats.org/presentationml/2006/main">
+  <p:cSld>
+    <p:spTree>
+      <p:nvGrpSpPr>
+        <p:cNvPr id="1" name=""/>
+        <p:cNvGrpSpPr/>
+        <p:nvPr/>
+      </p:nvGrpSpPr>
+      <p:grpSpPr>
+        <a:xfrm>
+          <a:off x="0" y="0"/>
+          <a:ext cx="0" cy="0"/>
+          <a:chOff x="0" y="0"/>
+          <a:chExt cx="0" cy="0"/>
+        </a:xfrm>
+      </p:grpSpPr>
+      <p:sp>
+        <p:nvSpPr>
+          <p:cNvPr id="2" name="Title 1">
+            <a:extLst>
+              <a:ext uri="{FF2B5EF4-FFF2-40B4-BE49-F238E27FC236}">
+                <a16:creationId xmlns:a16="http://schemas.microsoft.com/office/drawing/2014/main" id="{031D40BC-9515-7C6F-1198-00BE3753349C}"/>
+              </a:ext>
+            </a:extLst>
+          </p:cNvPr>
+          <p:cNvSpPr>
+            <a:spLocks noGrp="1"/>
+          </p:cNvSpPr>
+          <p:nvPr>
+            <p:ph type="title"/>
+          </p:nvPr>
+        </p:nvSpPr>
+        <p:spPr/>
+        <p:txBody>
+          <a:bodyPr/>
+          <a:lstStyle/>
+          <a:p>
+            <a:r>
+              <a:rPr lang="en-US" dirty="0"/>
+              <a:t>Reflections</a:t>
+            </a:r>
+          </a:p>
+        </p:txBody>
+      </p:sp>
+      <p:sp>
+        <p:nvSpPr>
+          <p:cNvPr id="3" name="Content Placeholder 2">
+            <a:extLst>
+              <a:ext uri="{FF2B5EF4-FFF2-40B4-BE49-F238E27FC236}">
+                <a16:creationId xmlns:a16="http://schemas.microsoft.com/office/drawing/2014/main" id="{176154C5-8C66-A4A9-BF4B-720FC76C8AC1}"/>
+              </a:ext>
+            </a:extLst>
+          </p:cNvPr>
+          <p:cNvSpPr>
+            <a:spLocks noGrp="1"/>
+          </p:cNvSpPr>
+          <p:nvPr>
+            <p:ph idx="1"/>
+          </p:nvPr>
+        </p:nvSpPr>
+        <p:spPr/>
+        <p:txBody>
+          <a:bodyPr/>
+          <a:lstStyle/>
+          <a:p>
+            <a:r>
+              <a:rPr lang="en-US" b="1" dirty="0"/>
+              <a:t>Human-Centered PL</a:t>
+            </a:r>
+            <a:r>
+              <a:rPr lang="en-US" dirty="0"/>
+              <a:t> recognizes that “usable” is not a universal idea, but that usability goals depend on user audience	</a:t>
+            </a:r>
+          </a:p>
+          <a:p>
+            <a:r>
+              <a:rPr lang="en-US" b="1" dirty="0"/>
+              <a:t>Human-Centered</a:t>
+            </a:r>
+            <a:r>
+              <a:rPr lang="en-US" dirty="0"/>
+              <a:t> thinking presents new design opportunities</a:t>
+            </a:r>
+          </a:p>
+          <a:p>
+            <a:r>
+              <a:rPr lang="en-US" b="1" dirty="0"/>
+              <a:t>PL Design</a:t>
+            </a:r>
+            <a:r>
+              <a:rPr lang="en-US" dirty="0"/>
+              <a:t> is not something that just happened in the past, performed by mythic ancients, but something we can do today</a:t>
+            </a:r>
+          </a:p>
+          <a:p>
+            <a:r>
+              <a:rPr lang="en-US" b="1" dirty="0"/>
+              <a:t>PL History </a:t>
+            </a:r>
+            <a:r>
+              <a:rPr lang="en-US" dirty="0"/>
+              <a:t>is a core part of PL design, not only to design for continuity, but to understand failures and limitations of prior PLs</a:t>
+            </a:r>
+            <a:endParaRPr lang="en-US" b="1" dirty="0"/>
+          </a:p>
+        </p:txBody>
+      </p:sp>
+    </p:spTree>
+    <p:extLst>
+      <p:ext uri="{BB962C8B-B14F-4D97-AF65-F5344CB8AC3E}">
+        <p14:creationId xmlns:p14="http://schemas.microsoft.com/office/powerpoint/2010/main" val="1258407753"/>
       </p:ext>
     </p:extLst>
   </p:cSld>

--- a/LectureSlides/11NaturalLanguage.pptx
+++ b/LectureSlides/11NaturalLanguage.pptx
@@ -359,7 +359,7 @@
           <a:p>
             <a:fld id="{DF0DA02A-3D36-4521-B995-F6A931B35345}" type="datetimeFigureOut">
               <a:rPr lang="en-US" smtClean="0"/>
-              <a:t>9/11/2023</a:t>
+              <a:t>9/22/2023</a:t>
             </a:fld>
             <a:endParaRPr lang="en-US"/>
           </a:p>
@@ -567,7 +567,7 @@
           <a:p>
             <a:fld id="{DF0DA02A-3D36-4521-B995-F6A931B35345}" type="datetimeFigureOut">
               <a:rPr lang="en-US" smtClean="0"/>
-              <a:t>9/11/2023</a:t>
+              <a:t>9/22/2023</a:t>
             </a:fld>
             <a:endParaRPr lang="en-US"/>
           </a:p>
@@ -823,7 +823,7 @@
           <a:p>
             <a:fld id="{DF0DA02A-3D36-4521-B995-F6A931B35345}" type="datetimeFigureOut">
               <a:rPr lang="en-US" smtClean="0"/>
-              <a:t>9/11/2023</a:t>
+              <a:t>9/22/2023</a:t>
             </a:fld>
             <a:endParaRPr lang="en-US"/>
           </a:p>
@@ -1008,7 +1008,7 @@
           <a:p>
             <a:fld id="{DF0DA02A-3D36-4521-B995-F6A931B35345}" type="datetimeFigureOut">
               <a:rPr lang="en-US" smtClean="0"/>
-              <a:t>9/11/2023</a:t>
+              <a:t>9/22/2023</a:t>
             </a:fld>
             <a:endParaRPr lang="en-US"/>
           </a:p>
@@ -1351,7 +1351,7 @@
           <a:p>
             <a:fld id="{DF0DA02A-3D36-4521-B995-F6A931B35345}" type="datetimeFigureOut">
               <a:rPr lang="en-US" smtClean="0"/>
-              <a:t>9/11/2023</a:t>
+              <a:t>9/22/2023</a:t>
             </a:fld>
             <a:endParaRPr lang="en-US"/>
           </a:p>
@@ -1656,7 +1656,7 @@
           <a:p>
             <a:fld id="{DF0DA02A-3D36-4521-B995-F6A931B35345}" type="datetimeFigureOut">
               <a:rPr lang="en-US" smtClean="0"/>
-              <a:t>9/11/2023</a:t>
+              <a:t>9/22/2023</a:t>
             </a:fld>
             <a:endParaRPr lang="en-US"/>
           </a:p>
@@ -2065,7 +2065,7 @@
           <a:p>
             <a:fld id="{DF0DA02A-3D36-4521-B995-F6A931B35345}" type="datetimeFigureOut">
               <a:rPr lang="en-US" smtClean="0"/>
-              <a:t>9/11/2023</a:t>
+              <a:t>9/22/2023</a:t>
             </a:fld>
             <a:endParaRPr lang="en-US"/>
           </a:p>
@@ -2183,7 +2183,7 @@
           <a:p>
             <a:fld id="{DF0DA02A-3D36-4521-B995-F6A931B35345}" type="datetimeFigureOut">
               <a:rPr lang="en-US" smtClean="0"/>
-              <a:t>9/11/2023</a:t>
+              <a:t>9/22/2023</a:t>
             </a:fld>
             <a:endParaRPr lang="en-US"/>
           </a:p>
@@ -2354,7 +2354,7 @@
           <a:p>
             <a:fld id="{DF0DA02A-3D36-4521-B995-F6A931B35345}" type="datetimeFigureOut">
               <a:rPr lang="en-US" smtClean="0"/>
-              <a:t>9/11/2023</a:t>
+              <a:t>9/22/2023</a:t>
             </a:fld>
             <a:endParaRPr lang="en-US"/>
           </a:p>
@@ -2723,7 +2723,7 @@
           <a:p>
             <a:fld id="{DF0DA02A-3D36-4521-B995-F6A931B35345}" type="datetimeFigureOut">
               <a:rPr lang="en-US" smtClean="0"/>
-              <a:t>9/11/2023</a:t>
+              <a:t>9/22/2023</a:t>
             </a:fld>
             <a:endParaRPr lang="en-US"/>
           </a:p>
@@ -3100,7 +3100,7 @@
           <a:p>
             <a:fld id="{DF0DA02A-3D36-4521-B995-F6A931B35345}" type="datetimeFigureOut">
               <a:rPr lang="en-US" smtClean="0"/>
-              <a:t>9/11/2023</a:t>
+              <a:t>9/22/2023</a:t>
             </a:fld>
             <a:endParaRPr lang="en-US"/>
           </a:p>
@@ -3387,7 +3387,7 @@
           <a:p>
             <a:fld id="{DF0DA02A-3D36-4521-B995-F6A931B35345}" type="datetimeFigureOut">
               <a:rPr lang="en-US" smtClean="0"/>
-              <a:t>9/11/2023</a:t>
+              <a:t>9/22/2023</a:t>
             </a:fld>
             <a:endParaRPr lang="en-US"/>
           </a:p>
@@ -6543,7 +6543,15 @@
           <a:p>
             <a:r>
               <a:rPr lang="en-US" dirty="0"/>
-              <a:t>It is not unheard of for researchers to chase latest trends. Some topics:</a:t>
+              <a:t>LLMs have attracted rapid </a:t>
+            </a:r>
+            <a:r>
+              <a:rPr lang="en-US"/>
+              <a:t>interest within PL. </a:t>
+            </a:r>
+            <a:r>
+              <a:rPr lang="en-US" dirty="0"/>
+              <a:t>Some topics:</a:t>
             </a:r>
           </a:p>
           <a:p>

--- a/LectureSlides/11NaturalLanguage.pptx
+++ b/LectureSlides/11NaturalLanguage.pptx
@@ -5,7 +5,7 @@
     <p:sldMasterId id="2147483696" r:id="rId1"/>
   </p:sldMasterIdLst>
   <p:notesMasterIdLst>
-    <p:notesMasterId r:id="rId36"/>
+    <p:notesMasterId r:id="rId35"/>
   </p:notesMasterIdLst>
   <p:sldIdLst>
     <p:sldId id="256" r:id="rId2"/>
@@ -34,14 +34,13 @@
     <p:sldId id="263" r:id="rId25"/>
     <p:sldId id="279" r:id="rId26"/>
     <p:sldId id="282" r:id="rId27"/>
-    <p:sldId id="283" r:id="rId28"/>
-    <p:sldId id="284" r:id="rId29"/>
-    <p:sldId id="286" r:id="rId30"/>
-    <p:sldId id="287" r:id="rId31"/>
-    <p:sldId id="288" r:id="rId32"/>
-    <p:sldId id="289" r:id="rId33"/>
-    <p:sldId id="290" r:id="rId34"/>
-    <p:sldId id="291" r:id="rId35"/>
+    <p:sldId id="284" r:id="rId28"/>
+    <p:sldId id="286" r:id="rId29"/>
+    <p:sldId id="287" r:id="rId30"/>
+    <p:sldId id="288" r:id="rId31"/>
+    <p:sldId id="289" r:id="rId32"/>
+    <p:sldId id="290" r:id="rId33"/>
+    <p:sldId id="291" r:id="rId34"/>
   </p:sldIdLst>
   <p:sldSz cx="12192000" cy="6858000"/>
   <p:notesSz cx="6858000" cy="9144000"/>
@@ -230,7 +229,7 @@
           <a:p>
             <a:fld id="{49C54BA5-AFD2-44A2-8B3A-57BC74BE50AF}" type="datetimeFigureOut">
               <a:rPr lang="en-US" smtClean="0"/>
-              <a:t>10/3/2023</a:t>
+              <a:t>11/1/2023</a:t>
             </a:fld>
             <a:endParaRPr lang="en-US"/>
           </a:p>
@@ -721,7 +720,7 @@
           <a:p>
             <a:fld id="{8048AC45-3728-461D-94FC-42E241460A52}" type="datetime1">
               <a:rPr lang="en-US" smtClean="0"/>
-              <a:t>10/3/2023</a:t>
+              <a:t>11/1/2023</a:t>
             </a:fld>
             <a:endParaRPr lang="en-US"/>
           </a:p>
@@ -929,7 +928,7 @@
           <a:p>
             <a:fld id="{B327692D-3029-46BE-8BC3-ED4964BAE204}" type="datetime1">
               <a:rPr lang="en-US" smtClean="0"/>
-              <a:t>10/3/2023</a:t>
+              <a:t>11/1/2023</a:t>
             </a:fld>
             <a:endParaRPr lang="en-US"/>
           </a:p>
@@ -1185,7 +1184,7 @@
           <a:p>
             <a:fld id="{80080E1B-5FA2-41C8-80DE-A943097EB1D6}" type="datetime1">
               <a:rPr lang="en-US" smtClean="0"/>
-              <a:t>10/3/2023</a:t>
+              <a:t>11/1/2023</a:t>
             </a:fld>
             <a:endParaRPr lang="en-US"/>
           </a:p>
@@ -1370,7 +1369,7 @@
           <a:p>
             <a:fld id="{CF48132D-E24B-428A-A6F0-75A0E70806F3}" type="datetime1">
               <a:rPr lang="en-US" smtClean="0"/>
-              <a:t>10/3/2023</a:t>
+              <a:t>11/1/2023</a:t>
             </a:fld>
             <a:endParaRPr lang="en-US"/>
           </a:p>
@@ -1713,7 +1712,7 @@
           <a:p>
             <a:fld id="{B5D2DB03-78C3-40B0-BD1F-F270BBBC3C0D}" type="datetime1">
               <a:rPr lang="en-US" smtClean="0"/>
-              <a:t>10/3/2023</a:t>
+              <a:t>11/1/2023</a:t>
             </a:fld>
             <a:endParaRPr lang="en-US"/>
           </a:p>
@@ -2018,7 +2017,7 @@
           <a:p>
             <a:fld id="{9398A452-A581-4B74-AFB1-210155B93068}" type="datetime1">
               <a:rPr lang="en-US" smtClean="0"/>
-              <a:t>10/3/2023</a:t>
+              <a:t>11/1/2023</a:t>
             </a:fld>
             <a:endParaRPr lang="en-US"/>
           </a:p>
@@ -2427,7 +2426,7 @@
           <a:p>
             <a:fld id="{561DB093-8835-4F0C-B809-6516397302BE}" type="datetime1">
               <a:rPr lang="en-US" smtClean="0"/>
-              <a:t>10/3/2023</a:t>
+              <a:t>11/1/2023</a:t>
             </a:fld>
             <a:endParaRPr lang="en-US"/>
           </a:p>
@@ -2545,7 +2544,7 @@
           <a:p>
             <a:fld id="{B2C34B5E-B3AD-4293-A528-06169DA6107C}" type="datetime1">
               <a:rPr lang="en-US" smtClean="0"/>
-              <a:t>10/3/2023</a:t>
+              <a:t>11/1/2023</a:t>
             </a:fld>
             <a:endParaRPr lang="en-US"/>
           </a:p>
@@ -2716,7 +2715,7 @@
           <a:p>
             <a:fld id="{3BE4ACE4-56CD-4131-A0FF-0470B0256083}" type="datetime1">
               <a:rPr lang="en-US" smtClean="0"/>
-              <a:t>10/3/2023</a:t>
+              <a:t>11/1/2023</a:t>
             </a:fld>
             <a:endParaRPr lang="en-US"/>
           </a:p>
@@ -3085,7 +3084,7 @@
           <a:p>
             <a:fld id="{F51977D8-380C-45B0-B086-366ECAD753E2}" type="datetime1">
               <a:rPr lang="en-US" smtClean="0"/>
-              <a:t>10/3/2023</a:t>
+              <a:t>11/1/2023</a:t>
             </a:fld>
             <a:endParaRPr lang="en-US"/>
           </a:p>
@@ -3462,7 +3461,7 @@
           <a:p>
             <a:fld id="{C75265DE-C2A2-48AD-A55D-FD1F5E978305}" type="datetime1">
               <a:rPr lang="en-US" smtClean="0"/>
-              <a:t>10/3/2023</a:t>
+              <a:t>11/1/2023</a:t>
             </a:fld>
             <a:endParaRPr lang="en-US"/>
           </a:p>
@@ -3749,7 +3748,7 @@
           <a:p>
             <a:fld id="{B0280B1A-E4C0-48BB-8A16-C563256AA880}" type="datetime1">
               <a:rPr lang="en-US" smtClean="0"/>
-              <a:t>10/3/2023</a:t>
+              <a:t>11/1/2023</a:t>
             </a:fld>
             <a:endParaRPr lang="en-US"/>
           </a:p>
@@ -7233,49 +7232,6 @@
               <a:t>Summary</a:t>
             </a:r>
           </a:p>
-          <a:p>
-            <a:pPr lvl="1"/>
-            <a:r>
-              <a:rPr lang="en-US" b="1" dirty="0"/>
-              <a:t>User study part:</a:t>
-            </a:r>
-            <a:r>
-              <a:rPr lang="en-US" dirty="0"/>
-              <a:t> The second half of today is used to do your user studies</a:t>
-            </a:r>
-          </a:p>
-          <a:p>
-            <a:pPr lvl="1"/>
-            <a:endParaRPr lang="en-US" b="1" dirty="0"/>
-          </a:p>
-          <a:p>
-            <a:pPr lvl="1"/>
-            <a:r>
-              <a:rPr lang="en-US" b="1" dirty="0"/>
-              <a:t>(Exam content reminders):</a:t>
-            </a:r>
-            <a:endParaRPr lang="en-US" dirty="0"/>
-          </a:p>
-          <a:p>
-            <a:pPr lvl="2"/>
-            <a:r>
-              <a:rPr lang="en-US" dirty="0"/>
-              <a:t>Today’s lecture content can be on the exam</a:t>
-            </a:r>
-          </a:p>
-          <a:p>
-            <a:pPr lvl="2"/>
-            <a:r>
-              <a:rPr lang="en-US" dirty="0"/>
-              <a:t>Friday’s new content will not be on exam (reinforces ideas that are on exam)</a:t>
-            </a:r>
-          </a:p>
-          <a:p>
-            <a:pPr marL="201168" lvl="1" indent="0">
-              <a:buNone/>
-            </a:pPr>
-            <a:endParaRPr lang="en-US" dirty="0"/>
-          </a:p>
         </p:txBody>
       </p:sp>
       <p:sp>
@@ -8475,7 +8431,7 @@
           <p:cNvPr id="2" name="Title 1">
             <a:extLst>
               <a:ext uri="{FF2B5EF4-FFF2-40B4-BE49-F238E27FC236}">
-                <a16:creationId xmlns:a16="http://schemas.microsoft.com/office/drawing/2014/main" id="{A550BEE4-5691-E546-B572-042A74D442BA}"/>
+                <a16:creationId xmlns:a16="http://schemas.microsoft.com/office/drawing/2014/main" id="{E0EA43B9-C87C-428A-96F9-1FE6BC090A7D}"/>
               </a:ext>
             </a:extLst>
           </p:cNvPr>
@@ -8493,7 +8449,7 @@
           <a:p>
             <a:r>
               <a:rPr lang="en-US" dirty="0"/>
-              <a:t>Apology for Grading Delay	</a:t>
+              <a:t>User Study Setup</a:t>
             </a:r>
           </a:p>
         </p:txBody>
@@ -8503,7 +8459,7 @@
           <p:cNvPr id="3" name="Content Placeholder 2">
             <a:extLst>
               <a:ext uri="{FF2B5EF4-FFF2-40B4-BE49-F238E27FC236}">
-                <a16:creationId xmlns:a16="http://schemas.microsoft.com/office/drawing/2014/main" id="{0CA3F1C4-1D57-2DCE-23BF-924A235EB966}"/>
+                <a16:creationId xmlns:a16="http://schemas.microsoft.com/office/drawing/2014/main" id="{0824981E-5A0F-6602-4C69-597134D40C48}"/>
               </a:ext>
             </a:extLst>
           </p:cNvPr>
@@ -8514,26 +8470,54 @@
             <p:ph idx="1"/>
           </p:nvPr>
         </p:nvSpPr>
-        <p:spPr/>
-        <p:txBody>
-          <a:bodyPr/>
-          <a:lstStyle/>
-          <a:p>
-            <a:r>
-              <a:rPr lang="en-US" dirty="0"/>
-              <a:t>It was our intention to finish HW4 feedback before study</a:t>
-            </a:r>
-          </a:p>
-          <a:p>
-            <a:r>
-              <a:rPr lang="en-US" dirty="0"/>
-              <a:t>Our TA got sick, which prevented this from happening</a:t>
-            </a:r>
-          </a:p>
-          <a:p>
-            <a:r>
-              <a:rPr lang="en-US" dirty="0"/>
-              <a:t>Be nice to each other, as you may have not received feedback</a:t>
+        <p:spPr>
+          <a:xfrm>
+            <a:off x="1097279" y="1845735"/>
+            <a:ext cx="10414535" cy="2630012"/>
+          </a:xfrm>
+        </p:spPr>
+        <p:txBody>
+          <a:bodyPr>
+            <a:normAutofit lnSpcReduction="10000"/>
+          </a:bodyPr>
+          <a:lstStyle/>
+          <a:p>
+            <a:r>
+              <a:rPr lang="en-US" dirty="0"/>
+              <a:t>Divide hour into 6 blocks, each 10 minutes. </a:t>
+            </a:r>
+            <a:br>
+              <a:rPr lang="en-US" dirty="0"/>
+            </a:br>
+            <a:r>
+              <a:rPr lang="en-US" dirty="0"/>
+              <a:t>Each 10 minutes, your table “leader” rotates.</a:t>
+            </a:r>
+            <a:br>
+              <a:rPr lang="en-US" dirty="0"/>
+            </a:br>
+            <a:r>
+              <a:rPr lang="en-US" dirty="0"/>
+              <a:t>You run your study while all other table members participate in it </a:t>
+            </a:r>
+            <a:br>
+              <a:rPr lang="en-US" dirty="0"/>
+            </a:br>
+            <a:r>
+              <a:rPr lang="en-US" dirty="0"/>
+              <a:t>To avoid distracting you, I keep time using a PowerPoint animation</a:t>
+            </a:r>
+          </a:p>
+          <a:p>
+            <a:r>
+              <a:rPr lang="en-US" dirty="0"/>
+              <a:t>Timing is approximate: It’s okay to take longer if you’re having fun</a:t>
+            </a:r>
+          </a:p>
+          <a:p>
+            <a:r>
+              <a:rPr lang="en-US" b="1" dirty="0"/>
+              <a:t>Clarifications?</a:t>
             </a:r>
           </a:p>
         </p:txBody>
@@ -8543,7 +8527,7 @@
           <p:cNvPr id="4" name="Slide Number Placeholder 3">
             <a:extLst>
               <a:ext uri="{FF2B5EF4-FFF2-40B4-BE49-F238E27FC236}">
-                <a16:creationId xmlns:a16="http://schemas.microsoft.com/office/drawing/2014/main" id="{9BF0CFCF-7B17-8009-87AF-A7AEA3A2F01C}"/>
+                <a16:creationId xmlns:a16="http://schemas.microsoft.com/office/drawing/2014/main" id="{4A1136D1-60BE-2515-D3A3-4738D09DFD6C}"/>
               </a:ext>
             </a:extLst>
           </p:cNvPr>
@@ -8554,7 +8538,12 @@
             <p:ph type="sldNum" sz="quarter" idx="12"/>
           </p:nvPr>
         </p:nvSpPr>
-        <p:spPr/>
+        <p:spPr>
+          <a:xfrm>
+            <a:off x="9843655" y="6388834"/>
+            <a:ext cx="1312025" cy="365125"/>
+          </a:xfrm>
+        </p:spPr>
         <p:txBody>
           <a:bodyPr/>
           <a:lstStyle/>
@@ -8570,7 +8559,7 @@
     </p:spTree>
     <p:extLst>
       <p:ext uri="{BB962C8B-B14F-4D97-AF65-F5344CB8AC3E}">
-        <p14:creationId xmlns:p14="http://schemas.microsoft.com/office/powerpoint/2010/main" val="1159168967"/>
+        <p14:creationId xmlns:p14="http://schemas.microsoft.com/office/powerpoint/2010/main" val="3896269216"/>
       </p:ext>
     </p:extLst>
   </p:cSld>
@@ -8620,75 +8609,15 @@
           <a:p>
             <a:r>
               <a:rPr lang="en-US" dirty="0"/>
-              <a:t>User Study Setup</a:t>
-            </a:r>
-          </a:p>
-        </p:txBody>
-      </p:sp>
-      <p:sp>
-        <p:nvSpPr>
-          <p:cNvPr id="3" name="Content Placeholder 2">
-            <a:extLst>
-              <a:ext uri="{FF2B5EF4-FFF2-40B4-BE49-F238E27FC236}">
-                <a16:creationId xmlns:a16="http://schemas.microsoft.com/office/drawing/2014/main" id="{0824981E-5A0F-6602-4C69-597134D40C48}"/>
-              </a:ext>
-            </a:extLst>
-          </p:cNvPr>
-          <p:cNvSpPr>
-            <a:spLocks noGrp="1"/>
-          </p:cNvSpPr>
-          <p:nvPr>
-            <p:ph idx="1"/>
-          </p:nvPr>
-        </p:nvSpPr>
-        <p:spPr>
-          <a:xfrm>
-            <a:off x="1097279" y="1845735"/>
-            <a:ext cx="10414535" cy="2630012"/>
-          </a:xfrm>
-        </p:spPr>
-        <p:txBody>
-          <a:bodyPr>
-            <a:normAutofit lnSpcReduction="10000"/>
-          </a:bodyPr>
-          <a:lstStyle/>
-          <a:p>
-            <a:r>
-              <a:rPr lang="en-US" dirty="0"/>
-              <a:t>Divide hour into 6 blocks, each 10 minutes. </a:t>
-            </a:r>
-            <a:br>
-              <a:rPr lang="en-US" dirty="0"/>
-            </a:br>
-            <a:r>
-              <a:rPr lang="en-US" dirty="0"/>
-              <a:t>Each 10 minutes, your table “leader” rotates.</a:t>
-            </a:r>
-            <a:br>
-              <a:rPr lang="en-US" dirty="0"/>
-            </a:br>
-            <a:r>
-              <a:rPr lang="en-US" dirty="0"/>
-              <a:t>You run your study while all other table members participate in it </a:t>
-            </a:r>
-            <a:br>
-              <a:rPr lang="en-US" dirty="0"/>
-            </a:br>
-            <a:r>
-              <a:rPr lang="en-US" dirty="0"/>
-              <a:t>To avoid distracting you, I keep time using a PowerPoint animation</a:t>
-            </a:r>
-          </a:p>
-          <a:p>
-            <a:r>
-              <a:rPr lang="en-US" dirty="0"/>
-              <a:t>Timing is approximate: It’s okay to take longer if you’re having fun</a:t>
-            </a:r>
-          </a:p>
-          <a:p>
-            <a:r>
-              <a:rPr lang="en-US" b="1" dirty="0"/>
-              <a:t>Clarifications?</a:t>
+              <a:t>Animation: 1</a:t>
+            </a:r>
+            <a:r>
+              <a:rPr lang="en-US" baseline="30000" dirty="0"/>
+              <a:t>st</a:t>
+            </a:r>
+            <a:r>
+              <a:rPr lang="en-US" dirty="0"/>
+              <a:t> Study</a:t>
             </a:r>
           </a:p>
         </p:txBody>
@@ -8727,10 +8656,526 @@
           </a:p>
         </p:txBody>
       </p:sp>
+      <p:sp>
+        <p:nvSpPr>
+          <p:cNvPr id="5" name="Rectangle: Rounded Corners 4">
+            <a:extLst>
+              <a:ext uri="{FF2B5EF4-FFF2-40B4-BE49-F238E27FC236}">
+                <a16:creationId xmlns:a16="http://schemas.microsoft.com/office/drawing/2014/main" id="{19953105-B94E-2D3E-1E8A-227B44C23FDB}"/>
+              </a:ext>
+            </a:extLst>
+          </p:cNvPr>
+          <p:cNvSpPr/>
+          <p:nvPr/>
+        </p:nvSpPr>
+        <p:spPr>
+          <a:xfrm>
+            <a:off x="4167739" y="3872998"/>
+            <a:ext cx="2868328" cy="1732547"/>
+          </a:xfrm>
+          <a:prstGeom prst="roundRect">
+            <a:avLst/>
+          </a:prstGeom>
+          <a:solidFill>
+            <a:schemeClr val="bg1">
+              <a:lumMod val="85000"/>
+            </a:schemeClr>
+          </a:solidFill>
+          <a:ln w="38100">
+            <a:solidFill>
+              <a:schemeClr val="bg1">
+                <a:lumMod val="50000"/>
+              </a:schemeClr>
+            </a:solidFill>
+          </a:ln>
+        </p:spPr>
+        <p:style>
+          <a:lnRef idx="2">
+            <a:schemeClr val="accent1">
+              <a:shade val="15000"/>
+            </a:schemeClr>
+          </a:lnRef>
+          <a:fillRef idx="1">
+            <a:schemeClr val="accent1"/>
+          </a:fillRef>
+          <a:effectRef idx="0">
+            <a:schemeClr val="accent1"/>
+          </a:effectRef>
+          <a:fontRef idx="minor">
+            <a:schemeClr val="lt1"/>
+          </a:fontRef>
+        </p:style>
+        <p:txBody>
+          <a:bodyPr rtlCol="0" anchor="ctr"/>
+          <a:lstStyle/>
+          <a:p>
+            <a:pPr algn="ctr"/>
+            <a:endParaRPr lang="en-US"/>
+          </a:p>
+        </p:txBody>
+      </p:sp>
+      <p:sp>
+        <p:nvSpPr>
+          <p:cNvPr id="6" name="Oval 5">
+            <a:extLst>
+              <a:ext uri="{FF2B5EF4-FFF2-40B4-BE49-F238E27FC236}">
+                <a16:creationId xmlns:a16="http://schemas.microsoft.com/office/drawing/2014/main" id="{72A055A1-3216-258B-7F21-E5BA289B3A12}"/>
+              </a:ext>
+            </a:extLst>
+          </p:cNvPr>
+          <p:cNvSpPr/>
+          <p:nvPr/>
+        </p:nvSpPr>
+        <p:spPr>
+          <a:xfrm>
+            <a:off x="3407343" y="4430104"/>
+            <a:ext cx="625642" cy="618333"/>
+          </a:xfrm>
+          <a:prstGeom prst="ellipse">
+            <a:avLst/>
+          </a:prstGeom>
+          <a:solidFill>
+            <a:schemeClr val="bg1">
+              <a:lumMod val="95000"/>
+            </a:schemeClr>
+          </a:solidFill>
+          <a:ln w="57150">
+            <a:solidFill>
+              <a:schemeClr val="tx1"/>
+            </a:solidFill>
+          </a:ln>
+        </p:spPr>
+        <p:style>
+          <a:lnRef idx="2">
+            <a:schemeClr val="accent1">
+              <a:shade val="15000"/>
+            </a:schemeClr>
+          </a:lnRef>
+          <a:fillRef idx="1">
+            <a:schemeClr val="accent1"/>
+          </a:fillRef>
+          <a:effectRef idx="0">
+            <a:schemeClr val="accent1"/>
+          </a:effectRef>
+          <a:fontRef idx="minor">
+            <a:schemeClr val="lt1"/>
+          </a:fontRef>
+        </p:style>
+        <p:txBody>
+          <a:bodyPr rtlCol="0" anchor="ctr"/>
+          <a:lstStyle/>
+          <a:p>
+            <a:pPr algn="ctr"/>
+            <a:r>
+              <a:rPr lang="en-US" sz="3200" b="1" dirty="0">
+                <a:solidFill>
+                  <a:schemeClr val="tx1"/>
+                </a:solidFill>
+              </a:rPr>
+              <a:t>1</a:t>
+            </a:r>
+          </a:p>
+        </p:txBody>
+      </p:sp>
+      <p:sp>
+        <p:nvSpPr>
+          <p:cNvPr id="7" name="Oval 6">
+            <a:extLst>
+              <a:ext uri="{FF2B5EF4-FFF2-40B4-BE49-F238E27FC236}">
+                <a16:creationId xmlns:a16="http://schemas.microsoft.com/office/drawing/2014/main" id="{67E5DABA-DFF6-4D6E-667A-046ACC360E3A}"/>
+              </a:ext>
+            </a:extLst>
+          </p:cNvPr>
+          <p:cNvSpPr/>
+          <p:nvPr/>
+        </p:nvSpPr>
+        <p:spPr>
+          <a:xfrm>
+            <a:off x="4580021" y="3104811"/>
+            <a:ext cx="625642" cy="618333"/>
+          </a:xfrm>
+          <a:prstGeom prst="ellipse">
+            <a:avLst/>
+          </a:prstGeom>
+          <a:solidFill>
+            <a:schemeClr val="bg1">
+              <a:lumMod val="95000"/>
+            </a:schemeClr>
+          </a:solidFill>
+          <a:ln w="57150">
+            <a:solidFill>
+              <a:schemeClr val="tx1"/>
+            </a:solidFill>
+          </a:ln>
+        </p:spPr>
+        <p:style>
+          <a:lnRef idx="2">
+            <a:schemeClr val="accent1">
+              <a:shade val="15000"/>
+            </a:schemeClr>
+          </a:lnRef>
+          <a:fillRef idx="1">
+            <a:schemeClr val="accent1"/>
+          </a:fillRef>
+          <a:effectRef idx="0">
+            <a:schemeClr val="accent1"/>
+          </a:effectRef>
+          <a:fontRef idx="minor">
+            <a:schemeClr val="lt1"/>
+          </a:fontRef>
+        </p:style>
+        <p:txBody>
+          <a:bodyPr rtlCol="0" anchor="ctr"/>
+          <a:lstStyle/>
+          <a:p>
+            <a:pPr algn="ctr"/>
+            <a:r>
+              <a:rPr lang="en-US" sz="3200" b="1" dirty="0">
+                <a:solidFill>
+                  <a:schemeClr val="tx1"/>
+                </a:solidFill>
+              </a:rPr>
+              <a:t>2</a:t>
+            </a:r>
+          </a:p>
+        </p:txBody>
+      </p:sp>
+      <p:sp>
+        <p:nvSpPr>
+          <p:cNvPr id="8" name="Oval 7">
+            <a:extLst>
+              <a:ext uri="{FF2B5EF4-FFF2-40B4-BE49-F238E27FC236}">
+                <a16:creationId xmlns:a16="http://schemas.microsoft.com/office/drawing/2014/main" id="{C72CDCDA-3E1E-7F72-0194-EDFC695C9F00}"/>
+              </a:ext>
+            </a:extLst>
+          </p:cNvPr>
+          <p:cNvSpPr/>
+          <p:nvPr/>
+        </p:nvSpPr>
+        <p:spPr>
+          <a:xfrm>
+            <a:off x="6038248" y="3082583"/>
+            <a:ext cx="625642" cy="618333"/>
+          </a:xfrm>
+          <a:prstGeom prst="ellipse">
+            <a:avLst/>
+          </a:prstGeom>
+          <a:solidFill>
+            <a:schemeClr val="bg1">
+              <a:lumMod val="95000"/>
+            </a:schemeClr>
+          </a:solidFill>
+          <a:ln w="57150">
+            <a:solidFill>
+              <a:schemeClr val="tx1"/>
+            </a:solidFill>
+          </a:ln>
+        </p:spPr>
+        <p:style>
+          <a:lnRef idx="2">
+            <a:schemeClr val="accent1">
+              <a:shade val="15000"/>
+            </a:schemeClr>
+          </a:lnRef>
+          <a:fillRef idx="1">
+            <a:schemeClr val="accent1"/>
+          </a:fillRef>
+          <a:effectRef idx="0">
+            <a:schemeClr val="accent1"/>
+          </a:effectRef>
+          <a:fontRef idx="minor">
+            <a:schemeClr val="lt1"/>
+          </a:fontRef>
+        </p:style>
+        <p:txBody>
+          <a:bodyPr rtlCol="0" anchor="ctr"/>
+          <a:lstStyle/>
+          <a:p>
+            <a:pPr algn="ctr"/>
+            <a:r>
+              <a:rPr lang="en-US" sz="3200" b="1" dirty="0">
+                <a:solidFill>
+                  <a:schemeClr val="tx1"/>
+                </a:solidFill>
+              </a:rPr>
+              <a:t>3</a:t>
+            </a:r>
+            <a:endParaRPr lang="en-US" sz="3200" dirty="0">
+              <a:solidFill>
+                <a:schemeClr val="tx1"/>
+              </a:solidFill>
+            </a:endParaRPr>
+          </a:p>
+        </p:txBody>
+      </p:sp>
+      <p:sp>
+        <p:nvSpPr>
+          <p:cNvPr id="9" name="Oval 8">
+            <a:extLst>
+              <a:ext uri="{FF2B5EF4-FFF2-40B4-BE49-F238E27FC236}">
+                <a16:creationId xmlns:a16="http://schemas.microsoft.com/office/drawing/2014/main" id="{BF7D4D37-B363-918A-AABA-534EAEC991D5}"/>
+              </a:ext>
+            </a:extLst>
+          </p:cNvPr>
+          <p:cNvSpPr/>
+          <p:nvPr/>
+        </p:nvSpPr>
+        <p:spPr>
+          <a:xfrm>
+            <a:off x="7190071" y="4430754"/>
+            <a:ext cx="625642" cy="618333"/>
+          </a:xfrm>
+          <a:prstGeom prst="ellipse">
+            <a:avLst/>
+          </a:prstGeom>
+          <a:solidFill>
+            <a:schemeClr val="bg1">
+              <a:lumMod val="95000"/>
+            </a:schemeClr>
+          </a:solidFill>
+          <a:ln w="57150">
+            <a:solidFill>
+              <a:schemeClr val="tx1"/>
+            </a:solidFill>
+          </a:ln>
+        </p:spPr>
+        <p:style>
+          <a:lnRef idx="2">
+            <a:schemeClr val="accent1">
+              <a:shade val="15000"/>
+            </a:schemeClr>
+          </a:lnRef>
+          <a:fillRef idx="1">
+            <a:schemeClr val="accent1"/>
+          </a:fillRef>
+          <a:effectRef idx="0">
+            <a:schemeClr val="accent1"/>
+          </a:effectRef>
+          <a:fontRef idx="minor">
+            <a:schemeClr val="lt1"/>
+          </a:fontRef>
+        </p:style>
+        <p:txBody>
+          <a:bodyPr rtlCol="0" anchor="ctr"/>
+          <a:lstStyle/>
+          <a:p>
+            <a:pPr algn="ctr"/>
+            <a:r>
+              <a:rPr lang="en-US" sz="3200" b="1" dirty="0">
+                <a:solidFill>
+                  <a:schemeClr val="tx1"/>
+                </a:solidFill>
+              </a:rPr>
+              <a:t>4</a:t>
+            </a:r>
+            <a:endParaRPr lang="en-US" sz="3200" dirty="0"/>
+          </a:p>
+        </p:txBody>
+      </p:sp>
+      <p:sp>
+        <p:nvSpPr>
+          <p:cNvPr id="10" name="Oval 9">
+            <a:extLst>
+              <a:ext uri="{FF2B5EF4-FFF2-40B4-BE49-F238E27FC236}">
+                <a16:creationId xmlns:a16="http://schemas.microsoft.com/office/drawing/2014/main" id="{261983E5-F47A-278C-6AE2-E5B794E5B8E2}"/>
+              </a:ext>
+            </a:extLst>
+          </p:cNvPr>
+          <p:cNvSpPr/>
+          <p:nvPr/>
+        </p:nvSpPr>
+        <p:spPr>
+          <a:xfrm>
+            <a:off x="4580021" y="5774648"/>
+            <a:ext cx="625642" cy="618333"/>
+          </a:xfrm>
+          <a:prstGeom prst="ellipse">
+            <a:avLst/>
+          </a:prstGeom>
+          <a:solidFill>
+            <a:schemeClr val="bg1">
+              <a:lumMod val="95000"/>
+            </a:schemeClr>
+          </a:solidFill>
+          <a:ln w="57150">
+            <a:solidFill>
+              <a:schemeClr val="tx1"/>
+            </a:solidFill>
+          </a:ln>
+        </p:spPr>
+        <p:style>
+          <a:lnRef idx="2">
+            <a:schemeClr val="accent1">
+              <a:shade val="15000"/>
+            </a:schemeClr>
+          </a:lnRef>
+          <a:fillRef idx="1">
+            <a:schemeClr val="accent1"/>
+          </a:fillRef>
+          <a:effectRef idx="0">
+            <a:schemeClr val="accent1"/>
+          </a:effectRef>
+          <a:fontRef idx="minor">
+            <a:schemeClr val="lt1"/>
+          </a:fontRef>
+        </p:style>
+        <p:txBody>
+          <a:bodyPr rtlCol="0" anchor="ctr"/>
+          <a:lstStyle/>
+          <a:p>
+            <a:pPr algn="ctr"/>
+            <a:r>
+              <a:rPr lang="en-US" sz="3200" b="1" dirty="0">
+                <a:solidFill>
+                  <a:schemeClr val="tx1"/>
+                </a:solidFill>
+              </a:rPr>
+              <a:t>6</a:t>
+            </a:r>
+            <a:endParaRPr lang="en-US" sz="3200" dirty="0"/>
+          </a:p>
+        </p:txBody>
+      </p:sp>
+      <p:sp>
+        <p:nvSpPr>
+          <p:cNvPr id="11" name="Oval 10">
+            <a:extLst>
+              <a:ext uri="{FF2B5EF4-FFF2-40B4-BE49-F238E27FC236}">
+                <a16:creationId xmlns:a16="http://schemas.microsoft.com/office/drawing/2014/main" id="{52B99879-B403-3E82-1432-A05600525169}"/>
+              </a:ext>
+            </a:extLst>
+          </p:cNvPr>
+          <p:cNvSpPr/>
+          <p:nvPr/>
+        </p:nvSpPr>
+        <p:spPr>
+          <a:xfrm>
+            <a:off x="6038248" y="5796876"/>
+            <a:ext cx="625642" cy="618333"/>
+          </a:xfrm>
+          <a:prstGeom prst="ellipse">
+            <a:avLst/>
+          </a:prstGeom>
+          <a:solidFill>
+            <a:schemeClr val="bg1">
+              <a:lumMod val="95000"/>
+            </a:schemeClr>
+          </a:solidFill>
+          <a:ln w="57150">
+            <a:solidFill>
+              <a:schemeClr val="tx1"/>
+            </a:solidFill>
+          </a:ln>
+        </p:spPr>
+        <p:style>
+          <a:lnRef idx="2">
+            <a:schemeClr val="accent1">
+              <a:shade val="15000"/>
+            </a:schemeClr>
+          </a:lnRef>
+          <a:fillRef idx="1">
+            <a:schemeClr val="accent1"/>
+          </a:fillRef>
+          <a:effectRef idx="0">
+            <a:schemeClr val="accent1"/>
+          </a:effectRef>
+          <a:fontRef idx="minor">
+            <a:schemeClr val="lt1"/>
+          </a:fontRef>
+        </p:style>
+        <p:txBody>
+          <a:bodyPr rtlCol="0" anchor="ctr"/>
+          <a:lstStyle/>
+          <a:p>
+            <a:pPr algn="ctr"/>
+            <a:r>
+              <a:rPr lang="en-US" sz="3200" b="1" dirty="0">
+                <a:solidFill>
+                  <a:schemeClr val="tx1"/>
+                </a:solidFill>
+              </a:rPr>
+              <a:t>5</a:t>
+            </a:r>
+            <a:endParaRPr lang="en-US" sz="3200" dirty="0"/>
+          </a:p>
+        </p:txBody>
+      </p:sp>
+      <p:cxnSp>
+        <p:nvCxnSpPr>
+          <p:cNvPr id="14" name="Straight Connector 13">
+            <a:extLst>
+              <a:ext uri="{FF2B5EF4-FFF2-40B4-BE49-F238E27FC236}">
+                <a16:creationId xmlns:a16="http://schemas.microsoft.com/office/drawing/2014/main" id="{EC082F0B-B382-9AF9-4366-EBBBF1C0CC3E}"/>
+              </a:ext>
+            </a:extLst>
+          </p:cNvPr>
+          <p:cNvCxnSpPr/>
+          <p:nvPr/>
+        </p:nvCxnSpPr>
+        <p:spPr>
+          <a:xfrm>
+            <a:off x="3407343" y="5159141"/>
+            <a:ext cx="625642" cy="0"/>
+          </a:xfrm>
+          <a:prstGeom prst="line">
+            <a:avLst/>
+          </a:prstGeom>
+          <a:ln w="76200"/>
+        </p:spPr>
+        <p:style>
+          <a:lnRef idx="1">
+            <a:schemeClr val="dk1"/>
+          </a:lnRef>
+          <a:fillRef idx="0">
+            <a:schemeClr val="dk1"/>
+          </a:fillRef>
+          <a:effectRef idx="0">
+            <a:schemeClr val="dk1"/>
+          </a:effectRef>
+          <a:fontRef idx="minor">
+            <a:schemeClr val="tx1"/>
+          </a:fontRef>
+        </p:style>
+      </p:cxnSp>
+      <p:sp>
+        <p:nvSpPr>
+          <p:cNvPr id="15" name="TextBox 14">
+            <a:extLst>
+              <a:ext uri="{FF2B5EF4-FFF2-40B4-BE49-F238E27FC236}">
+                <a16:creationId xmlns:a16="http://schemas.microsoft.com/office/drawing/2014/main" id="{FAD233D1-349E-B52C-B2C0-0FA57470BADD}"/>
+              </a:ext>
+            </a:extLst>
+          </p:cNvPr>
+          <p:cNvSpPr txBox="1"/>
+          <p:nvPr/>
+        </p:nvSpPr>
+        <p:spPr>
+          <a:xfrm>
+            <a:off x="2465617" y="4525217"/>
+            <a:ext cx="951351" cy="523220"/>
+          </a:xfrm>
+          <a:prstGeom prst="rect">
+            <a:avLst/>
+          </a:prstGeom>
+          <a:noFill/>
+        </p:spPr>
+        <p:txBody>
+          <a:bodyPr wrap="none" rtlCol="0">
+            <a:spAutoFit/>
+          </a:bodyPr>
+          <a:lstStyle/>
+          <a:p>
+            <a:r>
+              <a:rPr lang="en-US" sz="2800" b="1" dirty="0"/>
+              <a:t>LEAD</a:t>
+            </a:r>
+          </a:p>
+        </p:txBody>
+      </p:sp>
     </p:spTree>
     <p:extLst>
       <p:ext uri="{BB962C8B-B14F-4D97-AF65-F5344CB8AC3E}">
-        <p14:creationId xmlns:p14="http://schemas.microsoft.com/office/powerpoint/2010/main" val="3896269216"/>
+        <p14:creationId xmlns:p14="http://schemas.microsoft.com/office/powerpoint/2010/main" val="4029057221"/>
       </p:ext>
     </p:extLst>
   </p:cSld>
@@ -8780,11 +9225,11 @@
           <a:p>
             <a:r>
               <a:rPr lang="en-US" dirty="0"/>
-              <a:t>Animation: 1</a:t>
+              <a:t>Animation: 2</a:t>
             </a:r>
             <a:r>
               <a:rPr lang="en-US" baseline="30000" dirty="0"/>
-              <a:t>st</a:t>
+              <a:t>nd</a:t>
             </a:r>
             <a:r>
               <a:rPr lang="en-US" dirty="0"/>
@@ -9285,7 +9730,7 @@
         </p:nvCxnSpPr>
         <p:spPr>
           <a:xfrm>
-            <a:off x="3407343" y="5159141"/>
+            <a:off x="4580020" y="3795998"/>
             <a:ext cx="625642" cy="0"/>
           </a:xfrm>
           <a:prstGeom prst="line">
@@ -9322,7 +9767,7 @@
         </p:nvSpPr>
         <p:spPr>
           <a:xfrm>
-            <a:off x="2465617" y="4525217"/>
+            <a:off x="4417166" y="2564162"/>
             <a:ext cx="951351" cy="523220"/>
           </a:xfrm>
           <a:prstGeom prst="rect">
@@ -9346,7 +9791,7 @@
     </p:spTree>
     <p:extLst>
       <p:ext uri="{BB962C8B-B14F-4D97-AF65-F5344CB8AC3E}">
-        <p14:creationId xmlns:p14="http://schemas.microsoft.com/office/powerpoint/2010/main" val="4029057221"/>
+        <p14:creationId xmlns:p14="http://schemas.microsoft.com/office/powerpoint/2010/main" val="2812783165"/>
       </p:ext>
     </p:extLst>
   </p:cSld>
@@ -9636,11 +10081,11 @@
           <a:p>
             <a:r>
               <a:rPr lang="en-US" dirty="0"/>
-              <a:t>Animation: 2</a:t>
+              <a:t>Animation: 3</a:t>
             </a:r>
             <a:r>
               <a:rPr lang="en-US" baseline="30000" dirty="0"/>
-              <a:t>nd</a:t>
+              <a:t>rd</a:t>
             </a:r>
             <a:r>
               <a:rPr lang="en-US" dirty="0"/>
@@ -10141,7 +10586,7 @@
         </p:nvCxnSpPr>
         <p:spPr>
           <a:xfrm>
-            <a:off x="4580020" y="3795998"/>
+            <a:off x="6038247" y="3776747"/>
             <a:ext cx="625642" cy="0"/>
           </a:xfrm>
           <a:prstGeom prst="line">
@@ -10178,7 +10623,7 @@
         </p:nvSpPr>
         <p:spPr>
           <a:xfrm>
-            <a:off x="4417166" y="2564162"/>
+            <a:off x="5875393" y="2543569"/>
             <a:ext cx="951351" cy="523220"/>
           </a:xfrm>
           <a:prstGeom prst="rect">
@@ -10202,7 +10647,7 @@
     </p:spTree>
     <p:extLst>
       <p:ext uri="{BB962C8B-B14F-4D97-AF65-F5344CB8AC3E}">
-        <p14:creationId xmlns:p14="http://schemas.microsoft.com/office/powerpoint/2010/main" val="2812783165"/>
+        <p14:creationId xmlns:p14="http://schemas.microsoft.com/office/powerpoint/2010/main" val="2643557404"/>
       </p:ext>
     </p:extLst>
   </p:cSld>
@@ -10252,15 +10697,15 @@
           <a:p>
             <a:r>
               <a:rPr lang="en-US" dirty="0"/>
-              <a:t>Animation: 3</a:t>
+              <a:t>Animation: 4</a:t>
             </a:r>
             <a:r>
               <a:rPr lang="en-US" baseline="30000" dirty="0"/>
-              <a:t>rd</a:t>
-            </a:r>
-            <a:r>
-              <a:rPr lang="en-US" dirty="0"/>
-              <a:t> Study</a:t>
+              <a:t>th</a:t>
+            </a:r>
+            <a:r>
+              <a:rPr lang="en-US" dirty="0"/>
+              <a:t>	 Study</a:t>
             </a:r>
           </a:p>
         </p:txBody>
@@ -10757,7 +11202,7 @@
         </p:nvCxnSpPr>
         <p:spPr>
           <a:xfrm>
-            <a:off x="6038247" y="3776747"/>
+            <a:off x="7190071" y="5168767"/>
             <a:ext cx="625642" cy="0"/>
           </a:xfrm>
           <a:prstGeom prst="line">
@@ -10794,7 +11239,7 @@
         </p:nvSpPr>
         <p:spPr>
           <a:xfrm>
-            <a:off x="5875393" y="2543569"/>
+            <a:off x="7969717" y="4477660"/>
             <a:ext cx="951351" cy="523220"/>
           </a:xfrm>
           <a:prstGeom prst="rect">
@@ -10818,7 +11263,7 @@
     </p:spTree>
     <p:extLst>
       <p:ext uri="{BB962C8B-B14F-4D97-AF65-F5344CB8AC3E}">
-        <p14:creationId xmlns:p14="http://schemas.microsoft.com/office/powerpoint/2010/main" val="2643557404"/>
+        <p14:creationId xmlns:p14="http://schemas.microsoft.com/office/powerpoint/2010/main" val="1685634492"/>
       </p:ext>
     </p:extLst>
   </p:cSld>
@@ -10868,7 +11313,7 @@
           <a:p>
             <a:r>
               <a:rPr lang="en-US" dirty="0"/>
-              <a:t>Animation: 4</a:t>
+              <a:t>Animation: 5</a:t>
             </a:r>
             <a:r>
               <a:rPr lang="en-US" baseline="30000" dirty="0"/>
@@ -10929,7 +11374,7 @@
         </p:nvSpPr>
         <p:spPr>
           <a:xfrm>
-            <a:off x="4167739" y="3872998"/>
+            <a:off x="4167739" y="3401359"/>
             <a:ext cx="2868328" cy="1732547"/>
           </a:xfrm>
           <a:prstGeom prst="roundRect">
@@ -10987,7 +11432,7 @@
         </p:nvSpPr>
         <p:spPr>
           <a:xfrm>
-            <a:off x="3407343" y="4430104"/>
+            <a:off x="3407343" y="3958465"/>
             <a:ext cx="625642" cy="618333"/>
           </a:xfrm>
           <a:prstGeom prst="ellipse">
@@ -11050,7 +11495,7 @@
         </p:nvSpPr>
         <p:spPr>
           <a:xfrm>
-            <a:off x="4580021" y="3104811"/>
+            <a:off x="4580021" y="2633172"/>
             <a:ext cx="625642" cy="618333"/>
           </a:xfrm>
           <a:prstGeom prst="ellipse">
@@ -11113,7 +11558,7 @@
         </p:nvSpPr>
         <p:spPr>
           <a:xfrm>
-            <a:off x="6038248" y="3082583"/>
+            <a:off x="6038248" y="2610944"/>
             <a:ext cx="625642" cy="618333"/>
           </a:xfrm>
           <a:prstGeom prst="ellipse">
@@ -11181,7 +11626,7 @@
         </p:nvSpPr>
         <p:spPr>
           <a:xfrm>
-            <a:off x="7190071" y="4430754"/>
+            <a:off x="7190071" y="3959115"/>
             <a:ext cx="625642" cy="618333"/>
           </a:xfrm>
           <a:prstGeom prst="ellipse">
@@ -11245,7 +11690,7 @@
         </p:nvSpPr>
         <p:spPr>
           <a:xfrm>
-            <a:off x="4580021" y="5774648"/>
+            <a:off x="4580021" y="5303009"/>
             <a:ext cx="625642" cy="618333"/>
           </a:xfrm>
           <a:prstGeom prst="ellipse">
@@ -11309,7 +11754,7 @@
         </p:nvSpPr>
         <p:spPr>
           <a:xfrm>
-            <a:off x="6038248" y="5796876"/>
+            <a:off x="6038248" y="5325237"/>
             <a:ext cx="625642" cy="618333"/>
           </a:xfrm>
           <a:prstGeom prst="ellipse">
@@ -11373,7 +11818,7 @@
         </p:nvCxnSpPr>
         <p:spPr>
           <a:xfrm>
-            <a:off x="7190071" y="5168767"/>
+            <a:off x="6038248" y="6035039"/>
             <a:ext cx="625642" cy="0"/>
           </a:xfrm>
           <a:prstGeom prst="line">
@@ -11410,7 +11855,7 @@
         </p:nvSpPr>
         <p:spPr>
           <a:xfrm>
-            <a:off x="7969717" y="4477660"/>
+            <a:off x="6663890" y="5350565"/>
             <a:ext cx="951351" cy="523220"/>
           </a:xfrm>
           <a:prstGeom prst="rect">
@@ -11434,7 +11879,7 @@
     </p:spTree>
     <p:extLst>
       <p:ext uri="{BB962C8B-B14F-4D97-AF65-F5344CB8AC3E}">
-        <p14:creationId xmlns:p14="http://schemas.microsoft.com/office/powerpoint/2010/main" val="1685634492"/>
+        <p14:creationId xmlns:p14="http://schemas.microsoft.com/office/powerpoint/2010/main" val="1741784925"/>
       </p:ext>
     </p:extLst>
   </p:cSld>
@@ -11484,7 +11929,7 @@
           <a:p>
             <a:r>
               <a:rPr lang="en-US" dirty="0"/>
-              <a:t>Animation: 5</a:t>
+              <a:t>Animation: 6</a:t>
             </a:r>
             <a:r>
               <a:rPr lang="en-US" baseline="30000" dirty="0"/>
@@ -11492,7 +11937,7 @@
             </a:r>
             <a:r>
               <a:rPr lang="en-US" dirty="0"/>
-              <a:t>	 Study</a:t>
+              <a:t> Study</a:t>
             </a:r>
           </a:p>
         </p:txBody>
@@ -11526,622 +11971,6 @@
             <a:fld id="{9BF27F29-4B64-4A24-936A-FF41C34C242B}" type="slidenum">
               <a:rPr lang="en-US" smtClean="0"/>
               <a:t>33</a:t>
-            </a:fld>
-            <a:endParaRPr lang="en-US"/>
-          </a:p>
-        </p:txBody>
-      </p:sp>
-      <p:sp>
-        <p:nvSpPr>
-          <p:cNvPr id="5" name="Rectangle: Rounded Corners 4">
-            <a:extLst>
-              <a:ext uri="{FF2B5EF4-FFF2-40B4-BE49-F238E27FC236}">
-                <a16:creationId xmlns:a16="http://schemas.microsoft.com/office/drawing/2014/main" id="{19953105-B94E-2D3E-1E8A-227B44C23FDB}"/>
-              </a:ext>
-            </a:extLst>
-          </p:cNvPr>
-          <p:cNvSpPr/>
-          <p:nvPr/>
-        </p:nvSpPr>
-        <p:spPr>
-          <a:xfrm>
-            <a:off x="4167739" y="3401359"/>
-            <a:ext cx="2868328" cy="1732547"/>
-          </a:xfrm>
-          <a:prstGeom prst="roundRect">
-            <a:avLst/>
-          </a:prstGeom>
-          <a:solidFill>
-            <a:schemeClr val="bg1">
-              <a:lumMod val="85000"/>
-            </a:schemeClr>
-          </a:solidFill>
-          <a:ln w="38100">
-            <a:solidFill>
-              <a:schemeClr val="bg1">
-                <a:lumMod val="50000"/>
-              </a:schemeClr>
-            </a:solidFill>
-          </a:ln>
-        </p:spPr>
-        <p:style>
-          <a:lnRef idx="2">
-            <a:schemeClr val="accent1">
-              <a:shade val="15000"/>
-            </a:schemeClr>
-          </a:lnRef>
-          <a:fillRef idx="1">
-            <a:schemeClr val="accent1"/>
-          </a:fillRef>
-          <a:effectRef idx="0">
-            <a:schemeClr val="accent1"/>
-          </a:effectRef>
-          <a:fontRef idx="minor">
-            <a:schemeClr val="lt1"/>
-          </a:fontRef>
-        </p:style>
-        <p:txBody>
-          <a:bodyPr rtlCol="0" anchor="ctr"/>
-          <a:lstStyle/>
-          <a:p>
-            <a:pPr algn="ctr"/>
-            <a:endParaRPr lang="en-US"/>
-          </a:p>
-        </p:txBody>
-      </p:sp>
-      <p:sp>
-        <p:nvSpPr>
-          <p:cNvPr id="6" name="Oval 5">
-            <a:extLst>
-              <a:ext uri="{FF2B5EF4-FFF2-40B4-BE49-F238E27FC236}">
-                <a16:creationId xmlns:a16="http://schemas.microsoft.com/office/drawing/2014/main" id="{72A055A1-3216-258B-7F21-E5BA289B3A12}"/>
-              </a:ext>
-            </a:extLst>
-          </p:cNvPr>
-          <p:cNvSpPr/>
-          <p:nvPr/>
-        </p:nvSpPr>
-        <p:spPr>
-          <a:xfrm>
-            <a:off x="3407343" y="3958465"/>
-            <a:ext cx="625642" cy="618333"/>
-          </a:xfrm>
-          <a:prstGeom prst="ellipse">
-            <a:avLst/>
-          </a:prstGeom>
-          <a:solidFill>
-            <a:schemeClr val="bg1">
-              <a:lumMod val="95000"/>
-            </a:schemeClr>
-          </a:solidFill>
-          <a:ln w="57150">
-            <a:solidFill>
-              <a:schemeClr val="tx1"/>
-            </a:solidFill>
-          </a:ln>
-        </p:spPr>
-        <p:style>
-          <a:lnRef idx="2">
-            <a:schemeClr val="accent1">
-              <a:shade val="15000"/>
-            </a:schemeClr>
-          </a:lnRef>
-          <a:fillRef idx="1">
-            <a:schemeClr val="accent1"/>
-          </a:fillRef>
-          <a:effectRef idx="0">
-            <a:schemeClr val="accent1"/>
-          </a:effectRef>
-          <a:fontRef idx="minor">
-            <a:schemeClr val="lt1"/>
-          </a:fontRef>
-        </p:style>
-        <p:txBody>
-          <a:bodyPr rtlCol="0" anchor="ctr"/>
-          <a:lstStyle/>
-          <a:p>
-            <a:pPr algn="ctr"/>
-            <a:r>
-              <a:rPr lang="en-US" sz="3200" b="1" dirty="0">
-                <a:solidFill>
-                  <a:schemeClr val="tx1"/>
-                </a:solidFill>
-              </a:rPr>
-              <a:t>1</a:t>
-            </a:r>
-          </a:p>
-        </p:txBody>
-      </p:sp>
-      <p:sp>
-        <p:nvSpPr>
-          <p:cNvPr id="7" name="Oval 6">
-            <a:extLst>
-              <a:ext uri="{FF2B5EF4-FFF2-40B4-BE49-F238E27FC236}">
-                <a16:creationId xmlns:a16="http://schemas.microsoft.com/office/drawing/2014/main" id="{67E5DABA-DFF6-4D6E-667A-046ACC360E3A}"/>
-              </a:ext>
-            </a:extLst>
-          </p:cNvPr>
-          <p:cNvSpPr/>
-          <p:nvPr/>
-        </p:nvSpPr>
-        <p:spPr>
-          <a:xfrm>
-            <a:off x="4580021" y="2633172"/>
-            <a:ext cx="625642" cy="618333"/>
-          </a:xfrm>
-          <a:prstGeom prst="ellipse">
-            <a:avLst/>
-          </a:prstGeom>
-          <a:solidFill>
-            <a:schemeClr val="bg1">
-              <a:lumMod val="95000"/>
-            </a:schemeClr>
-          </a:solidFill>
-          <a:ln w="57150">
-            <a:solidFill>
-              <a:schemeClr val="tx1"/>
-            </a:solidFill>
-          </a:ln>
-        </p:spPr>
-        <p:style>
-          <a:lnRef idx="2">
-            <a:schemeClr val="accent1">
-              <a:shade val="15000"/>
-            </a:schemeClr>
-          </a:lnRef>
-          <a:fillRef idx="1">
-            <a:schemeClr val="accent1"/>
-          </a:fillRef>
-          <a:effectRef idx="0">
-            <a:schemeClr val="accent1"/>
-          </a:effectRef>
-          <a:fontRef idx="minor">
-            <a:schemeClr val="lt1"/>
-          </a:fontRef>
-        </p:style>
-        <p:txBody>
-          <a:bodyPr rtlCol="0" anchor="ctr"/>
-          <a:lstStyle/>
-          <a:p>
-            <a:pPr algn="ctr"/>
-            <a:r>
-              <a:rPr lang="en-US" sz="3200" b="1" dirty="0">
-                <a:solidFill>
-                  <a:schemeClr val="tx1"/>
-                </a:solidFill>
-              </a:rPr>
-              <a:t>2</a:t>
-            </a:r>
-          </a:p>
-        </p:txBody>
-      </p:sp>
-      <p:sp>
-        <p:nvSpPr>
-          <p:cNvPr id="8" name="Oval 7">
-            <a:extLst>
-              <a:ext uri="{FF2B5EF4-FFF2-40B4-BE49-F238E27FC236}">
-                <a16:creationId xmlns:a16="http://schemas.microsoft.com/office/drawing/2014/main" id="{C72CDCDA-3E1E-7F72-0194-EDFC695C9F00}"/>
-              </a:ext>
-            </a:extLst>
-          </p:cNvPr>
-          <p:cNvSpPr/>
-          <p:nvPr/>
-        </p:nvSpPr>
-        <p:spPr>
-          <a:xfrm>
-            <a:off x="6038248" y="2610944"/>
-            <a:ext cx="625642" cy="618333"/>
-          </a:xfrm>
-          <a:prstGeom prst="ellipse">
-            <a:avLst/>
-          </a:prstGeom>
-          <a:solidFill>
-            <a:schemeClr val="bg1">
-              <a:lumMod val="95000"/>
-            </a:schemeClr>
-          </a:solidFill>
-          <a:ln w="57150">
-            <a:solidFill>
-              <a:schemeClr val="tx1"/>
-            </a:solidFill>
-          </a:ln>
-        </p:spPr>
-        <p:style>
-          <a:lnRef idx="2">
-            <a:schemeClr val="accent1">
-              <a:shade val="15000"/>
-            </a:schemeClr>
-          </a:lnRef>
-          <a:fillRef idx="1">
-            <a:schemeClr val="accent1"/>
-          </a:fillRef>
-          <a:effectRef idx="0">
-            <a:schemeClr val="accent1"/>
-          </a:effectRef>
-          <a:fontRef idx="minor">
-            <a:schemeClr val="lt1"/>
-          </a:fontRef>
-        </p:style>
-        <p:txBody>
-          <a:bodyPr rtlCol="0" anchor="ctr"/>
-          <a:lstStyle/>
-          <a:p>
-            <a:pPr algn="ctr"/>
-            <a:r>
-              <a:rPr lang="en-US" sz="3200" b="1" dirty="0">
-                <a:solidFill>
-                  <a:schemeClr val="tx1"/>
-                </a:solidFill>
-              </a:rPr>
-              <a:t>3</a:t>
-            </a:r>
-            <a:endParaRPr lang="en-US" sz="3200" dirty="0">
-              <a:solidFill>
-                <a:schemeClr val="tx1"/>
-              </a:solidFill>
-            </a:endParaRPr>
-          </a:p>
-        </p:txBody>
-      </p:sp>
-      <p:sp>
-        <p:nvSpPr>
-          <p:cNvPr id="9" name="Oval 8">
-            <a:extLst>
-              <a:ext uri="{FF2B5EF4-FFF2-40B4-BE49-F238E27FC236}">
-                <a16:creationId xmlns:a16="http://schemas.microsoft.com/office/drawing/2014/main" id="{BF7D4D37-B363-918A-AABA-534EAEC991D5}"/>
-              </a:ext>
-            </a:extLst>
-          </p:cNvPr>
-          <p:cNvSpPr/>
-          <p:nvPr/>
-        </p:nvSpPr>
-        <p:spPr>
-          <a:xfrm>
-            <a:off x="7190071" y="3959115"/>
-            <a:ext cx="625642" cy="618333"/>
-          </a:xfrm>
-          <a:prstGeom prst="ellipse">
-            <a:avLst/>
-          </a:prstGeom>
-          <a:solidFill>
-            <a:schemeClr val="bg1">
-              <a:lumMod val="95000"/>
-            </a:schemeClr>
-          </a:solidFill>
-          <a:ln w="57150">
-            <a:solidFill>
-              <a:schemeClr val="tx1"/>
-            </a:solidFill>
-          </a:ln>
-        </p:spPr>
-        <p:style>
-          <a:lnRef idx="2">
-            <a:schemeClr val="accent1">
-              <a:shade val="15000"/>
-            </a:schemeClr>
-          </a:lnRef>
-          <a:fillRef idx="1">
-            <a:schemeClr val="accent1"/>
-          </a:fillRef>
-          <a:effectRef idx="0">
-            <a:schemeClr val="accent1"/>
-          </a:effectRef>
-          <a:fontRef idx="minor">
-            <a:schemeClr val="lt1"/>
-          </a:fontRef>
-        </p:style>
-        <p:txBody>
-          <a:bodyPr rtlCol="0" anchor="ctr"/>
-          <a:lstStyle/>
-          <a:p>
-            <a:pPr algn="ctr"/>
-            <a:r>
-              <a:rPr lang="en-US" sz="3200" b="1" dirty="0">
-                <a:solidFill>
-                  <a:schemeClr val="tx1"/>
-                </a:solidFill>
-              </a:rPr>
-              <a:t>4</a:t>
-            </a:r>
-            <a:endParaRPr lang="en-US" sz="3200" dirty="0"/>
-          </a:p>
-        </p:txBody>
-      </p:sp>
-      <p:sp>
-        <p:nvSpPr>
-          <p:cNvPr id="10" name="Oval 9">
-            <a:extLst>
-              <a:ext uri="{FF2B5EF4-FFF2-40B4-BE49-F238E27FC236}">
-                <a16:creationId xmlns:a16="http://schemas.microsoft.com/office/drawing/2014/main" id="{261983E5-F47A-278C-6AE2-E5B794E5B8E2}"/>
-              </a:ext>
-            </a:extLst>
-          </p:cNvPr>
-          <p:cNvSpPr/>
-          <p:nvPr/>
-        </p:nvSpPr>
-        <p:spPr>
-          <a:xfrm>
-            <a:off x="4580021" y="5303009"/>
-            <a:ext cx="625642" cy="618333"/>
-          </a:xfrm>
-          <a:prstGeom prst="ellipse">
-            <a:avLst/>
-          </a:prstGeom>
-          <a:solidFill>
-            <a:schemeClr val="bg1">
-              <a:lumMod val="95000"/>
-            </a:schemeClr>
-          </a:solidFill>
-          <a:ln w="57150">
-            <a:solidFill>
-              <a:schemeClr val="tx1"/>
-            </a:solidFill>
-          </a:ln>
-        </p:spPr>
-        <p:style>
-          <a:lnRef idx="2">
-            <a:schemeClr val="accent1">
-              <a:shade val="15000"/>
-            </a:schemeClr>
-          </a:lnRef>
-          <a:fillRef idx="1">
-            <a:schemeClr val="accent1"/>
-          </a:fillRef>
-          <a:effectRef idx="0">
-            <a:schemeClr val="accent1"/>
-          </a:effectRef>
-          <a:fontRef idx="minor">
-            <a:schemeClr val="lt1"/>
-          </a:fontRef>
-        </p:style>
-        <p:txBody>
-          <a:bodyPr rtlCol="0" anchor="ctr"/>
-          <a:lstStyle/>
-          <a:p>
-            <a:pPr algn="ctr"/>
-            <a:r>
-              <a:rPr lang="en-US" sz="3200" b="1" dirty="0">
-                <a:solidFill>
-                  <a:schemeClr val="tx1"/>
-                </a:solidFill>
-              </a:rPr>
-              <a:t>6</a:t>
-            </a:r>
-            <a:endParaRPr lang="en-US" sz="3200" dirty="0"/>
-          </a:p>
-        </p:txBody>
-      </p:sp>
-      <p:sp>
-        <p:nvSpPr>
-          <p:cNvPr id="11" name="Oval 10">
-            <a:extLst>
-              <a:ext uri="{FF2B5EF4-FFF2-40B4-BE49-F238E27FC236}">
-                <a16:creationId xmlns:a16="http://schemas.microsoft.com/office/drawing/2014/main" id="{52B99879-B403-3E82-1432-A05600525169}"/>
-              </a:ext>
-            </a:extLst>
-          </p:cNvPr>
-          <p:cNvSpPr/>
-          <p:nvPr/>
-        </p:nvSpPr>
-        <p:spPr>
-          <a:xfrm>
-            <a:off x="6038248" y="5325237"/>
-            <a:ext cx="625642" cy="618333"/>
-          </a:xfrm>
-          <a:prstGeom prst="ellipse">
-            <a:avLst/>
-          </a:prstGeom>
-          <a:solidFill>
-            <a:schemeClr val="bg1">
-              <a:lumMod val="95000"/>
-            </a:schemeClr>
-          </a:solidFill>
-          <a:ln w="57150">
-            <a:solidFill>
-              <a:schemeClr val="tx1"/>
-            </a:solidFill>
-          </a:ln>
-        </p:spPr>
-        <p:style>
-          <a:lnRef idx="2">
-            <a:schemeClr val="accent1">
-              <a:shade val="15000"/>
-            </a:schemeClr>
-          </a:lnRef>
-          <a:fillRef idx="1">
-            <a:schemeClr val="accent1"/>
-          </a:fillRef>
-          <a:effectRef idx="0">
-            <a:schemeClr val="accent1"/>
-          </a:effectRef>
-          <a:fontRef idx="minor">
-            <a:schemeClr val="lt1"/>
-          </a:fontRef>
-        </p:style>
-        <p:txBody>
-          <a:bodyPr rtlCol="0" anchor="ctr"/>
-          <a:lstStyle/>
-          <a:p>
-            <a:pPr algn="ctr"/>
-            <a:r>
-              <a:rPr lang="en-US" sz="3200" b="1" dirty="0">
-                <a:solidFill>
-                  <a:schemeClr val="tx1"/>
-                </a:solidFill>
-              </a:rPr>
-              <a:t>5</a:t>
-            </a:r>
-            <a:endParaRPr lang="en-US" sz="3200" dirty="0"/>
-          </a:p>
-        </p:txBody>
-      </p:sp>
-      <p:cxnSp>
-        <p:nvCxnSpPr>
-          <p:cNvPr id="14" name="Straight Connector 13">
-            <a:extLst>
-              <a:ext uri="{FF2B5EF4-FFF2-40B4-BE49-F238E27FC236}">
-                <a16:creationId xmlns:a16="http://schemas.microsoft.com/office/drawing/2014/main" id="{EC082F0B-B382-9AF9-4366-EBBBF1C0CC3E}"/>
-              </a:ext>
-            </a:extLst>
-          </p:cNvPr>
-          <p:cNvCxnSpPr/>
-          <p:nvPr/>
-        </p:nvCxnSpPr>
-        <p:spPr>
-          <a:xfrm>
-            <a:off x="6038248" y="6035039"/>
-            <a:ext cx="625642" cy="0"/>
-          </a:xfrm>
-          <a:prstGeom prst="line">
-            <a:avLst/>
-          </a:prstGeom>
-          <a:ln w="76200"/>
-        </p:spPr>
-        <p:style>
-          <a:lnRef idx="1">
-            <a:schemeClr val="dk1"/>
-          </a:lnRef>
-          <a:fillRef idx="0">
-            <a:schemeClr val="dk1"/>
-          </a:fillRef>
-          <a:effectRef idx="0">
-            <a:schemeClr val="dk1"/>
-          </a:effectRef>
-          <a:fontRef idx="minor">
-            <a:schemeClr val="tx1"/>
-          </a:fontRef>
-        </p:style>
-      </p:cxnSp>
-      <p:sp>
-        <p:nvSpPr>
-          <p:cNvPr id="15" name="TextBox 14">
-            <a:extLst>
-              <a:ext uri="{FF2B5EF4-FFF2-40B4-BE49-F238E27FC236}">
-                <a16:creationId xmlns:a16="http://schemas.microsoft.com/office/drawing/2014/main" id="{FAD233D1-349E-B52C-B2C0-0FA57470BADD}"/>
-              </a:ext>
-            </a:extLst>
-          </p:cNvPr>
-          <p:cNvSpPr txBox="1"/>
-          <p:nvPr/>
-        </p:nvSpPr>
-        <p:spPr>
-          <a:xfrm>
-            <a:off x="6663890" y="5350565"/>
-            <a:ext cx="951351" cy="523220"/>
-          </a:xfrm>
-          <a:prstGeom prst="rect">
-            <a:avLst/>
-          </a:prstGeom>
-          <a:noFill/>
-        </p:spPr>
-        <p:txBody>
-          <a:bodyPr wrap="none" rtlCol="0">
-            <a:spAutoFit/>
-          </a:bodyPr>
-          <a:lstStyle/>
-          <a:p>
-            <a:r>
-              <a:rPr lang="en-US" sz="2800" b="1" dirty="0"/>
-              <a:t>LEAD</a:t>
-            </a:r>
-          </a:p>
-        </p:txBody>
-      </p:sp>
-    </p:spTree>
-    <p:extLst>
-      <p:ext uri="{BB962C8B-B14F-4D97-AF65-F5344CB8AC3E}">
-        <p14:creationId xmlns:p14="http://schemas.microsoft.com/office/powerpoint/2010/main" val="1741784925"/>
-      </p:ext>
-    </p:extLst>
-  </p:cSld>
-  <p:clrMapOvr>
-    <a:masterClrMapping/>
-  </p:clrMapOvr>
-</p:sld>
-</file>
-
-<file path=ppt/slides/slide34.xml><?xml version="1.0" encoding="utf-8"?>
-<p:sld xmlns:a="http://schemas.openxmlformats.org/drawingml/2006/main" xmlns:r="http://schemas.openxmlformats.org/officeDocument/2006/relationships" xmlns:p="http://schemas.openxmlformats.org/presentationml/2006/main">
-  <p:cSld>
-    <p:spTree>
-      <p:nvGrpSpPr>
-        <p:cNvPr id="1" name=""/>
-        <p:cNvGrpSpPr/>
-        <p:nvPr/>
-      </p:nvGrpSpPr>
-      <p:grpSpPr>
-        <a:xfrm>
-          <a:off x="0" y="0"/>
-          <a:ext cx="0" cy="0"/>
-          <a:chOff x="0" y="0"/>
-          <a:chExt cx="0" cy="0"/>
-        </a:xfrm>
-      </p:grpSpPr>
-      <p:sp>
-        <p:nvSpPr>
-          <p:cNvPr id="2" name="Title 1">
-            <a:extLst>
-              <a:ext uri="{FF2B5EF4-FFF2-40B4-BE49-F238E27FC236}">
-                <a16:creationId xmlns:a16="http://schemas.microsoft.com/office/drawing/2014/main" id="{E0EA43B9-C87C-428A-96F9-1FE6BC090A7D}"/>
-              </a:ext>
-            </a:extLst>
-          </p:cNvPr>
-          <p:cNvSpPr>
-            <a:spLocks noGrp="1"/>
-          </p:cNvSpPr>
-          <p:nvPr>
-            <p:ph type="title"/>
-          </p:nvPr>
-        </p:nvSpPr>
-        <p:spPr/>
-        <p:txBody>
-          <a:bodyPr/>
-          <a:lstStyle/>
-          <a:p>
-            <a:r>
-              <a:rPr lang="en-US" dirty="0"/>
-              <a:t>Animation: 6</a:t>
-            </a:r>
-            <a:r>
-              <a:rPr lang="en-US" baseline="30000" dirty="0"/>
-              <a:t>th</a:t>
-            </a:r>
-            <a:r>
-              <a:rPr lang="en-US" dirty="0"/>
-              <a:t> Study</a:t>
-            </a:r>
-          </a:p>
-        </p:txBody>
-      </p:sp>
-      <p:sp>
-        <p:nvSpPr>
-          <p:cNvPr id="4" name="Slide Number Placeholder 3">
-            <a:extLst>
-              <a:ext uri="{FF2B5EF4-FFF2-40B4-BE49-F238E27FC236}">
-                <a16:creationId xmlns:a16="http://schemas.microsoft.com/office/drawing/2014/main" id="{4A1136D1-60BE-2515-D3A3-4738D09DFD6C}"/>
-              </a:ext>
-            </a:extLst>
-          </p:cNvPr>
-          <p:cNvSpPr>
-            <a:spLocks noGrp="1"/>
-          </p:cNvSpPr>
-          <p:nvPr>
-            <p:ph type="sldNum" sz="quarter" idx="12"/>
-          </p:nvPr>
-        </p:nvSpPr>
-        <p:spPr>
-          <a:xfrm>
-            <a:off x="9843655" y="6388834"/>
-            <a:ext cx="1312025" cy="365125"/>
-          </a:xfrm>
-        </p:spPr>
-        <p:txBody>
-          <a:bodyPr/>
-          <a:lstStyle/>
-          <a:p>
-            <a:fld id="{9BF27F29-4B64-4A24-936A-FF41C34C242B}" type="slidenum">
-              <a:rPr lang="en-US" smtClean="0"/>
-              <a:t>34</a:t>
             </a:fld>
             <a:endParaRPr lang="en-US"/>
           </a:p>

--- a/LectureSlides/11NaturalLanguage.pptx
+++ b/LectureSlides/11NaturalLanguage.pptx
@@ -7192,12 +7192,8 @@
           <a:p>
             <a:pPr lvl="1"/>
             <a:r>
-              <a:rPr lang="en-US" b="1" dirty="0"/>
-              <a:t>Lecture part:</a:t>
-            </a:r>
-            <a:r>
-              <a:rPr lang="en-US" dirty="0"/>
-              <a:t> Natural Language and Programming Languages</a:t>
+              <a:rPr lang="en-US" dirty="0"/>
+              <a:t>Natural Language and Programming Languages</a:t>
             </a:r>
           </a:p>
           <a:p>
@@ -13198,7 +13194,7 @@
               <a:rPr lang="en-US" dirty="0">
                 <a:latin typeface="Consolas" panose="020B0609020204030204" pitchFamily="49" charset="0"/>
               </a:rPr>
-              <a:t>   CALL "CEEMOUT" Using Msg   </a:t>
+              <a:t>   CALL "CEEMOUT" Using Msg </a:t>
             </a:r>
             <a:r>
               <a:rPr lang="en-US" dirty="0" err="1">

--- a/LectureSlides/11NaturalLanguage.pptx
+++ b/LectureSlides/11NaturalLanguage.pptx
@@ -229,7 +229,7 @@
           <a:p>
             <a:fld id="{49C54BA5-AFD2-44A2-8B3A-57BC74BE50AF}" type="datetimeFigureOut">
               <a:rPr lang="en-US" smtClean="0"/>
-              <a:t>11/1/2023</a:t>
+              <a:t>10/14/2024</a:t>
             </a:fld>
             <a:endParaRPr lang="en-US"/>
           </a:p>
@@ -720,7 +720,7 @@
           <a:p>
             <a:fld id="{8048AC45-3728-461D-94FC-42E241460A52}" type="datetime1">
               <a:rPr lang="en-US" smtClean="0"/>
-              <a:t>11/1/2023</a:t>
+              <a:t>10/14/2024</a:t>
             </a:fld>
             <a:endParaRPr lang="en-US"/>
           </a:p>
@@ -928,7 +928,7 @@
           <a:p>
             <a:fld id="{B327692D-3029-46BE-8BC3-ED4964BAE204}" type="datetime1">
               <a:rPr lang="en-US" smtClean="0"/>
-              <a:t>11/1/2023</a:t>
+              <a:t>10/14/2024</a:t>
             </a:fld>
             <a:endParaRPr lang="en-US"/>
           </a:p>
@@ -1184,7 +1184,7 @@
           <a:p>
             <a:fld id="{80080E1B-5FA2-41C8-80DE-A943097EB1D6}" type="datetime1">
               <a:rPr lang="en-US" smtClean="0"/>
-              <a:t>11/1/2023</a:t>
+              <a:t>10/14/2024</a:t>
             </a:fld>
             <a:endParaRPr lang="en-US"/>
           </a:p>
@@ -1369,7 +1369,7 @@
           <a:p>
             <a:fld id="{CF48132D-E24B-428A-A6F0-75A0E70806F3}" type="datetime1">
               <a:rPr lang="en-US" smtClean="0"/>
-              <a:t>11/1/2023</a:t>
+              <a:t>10/14/2024</a:t>
             </a:fld>
             <a:endParaRPr lang="en-US"/>
           </a:p>
@@ -1712,7 +1712,7 @@
           <a:p>
             <a:fld id="{B5D2DB03-78C3-40B0-BD1F-F270BBBC3C0D}" type="datetime1">
               <a:rPr lang="en-US" smtClean="0"/>
-              <a:t>11/1/2023</a:t>
+              <a:t>10/14/2024</a:t>
             </a:fld>
             <a:endParaRPr lang="en-US"/>
           </a:p>
@@ -2017,7 +2017,7 @@
           <a:p>
             <a:fld id="{9398A452-A581-4B74-AFB1-210155B93068}" type="datetime1">
               <a:rPr lang="en-US" smtClean="0"/>
-              <a:t>11/1/2023</a:t>
+              <a:t>10/14/2024</a:t>
             </a:fld>
             <a:endParaRPr lang="en-US"/>
           </a:p>
@@ -2426,7 +2426,7 @@
           <a:p>
             <a:fld id="{561DB093-8835-4F0C-B809-6516397302BE}" type="datetime1">
               <a:rPr lang="en-US" smtClean="0"/>
-              <a:t>11/1/2023</a:t>
+              <a:t>10/14/2024</a:t>
             </a:fld>
             <a:endParaRPr lang="en-US"/>
           </a:p>
@@ -2544,7 +2544,7 @@
           <a:p>
             <a:fld id="{B2C34B5E-B3AD-4293-A528-06169DA6107C}" type="datetime1">
               <a:rPr lang="en-US" smtClean="0"/>
-              <a:t>11/1/2023</a:t>
+              <a:t>10/14/2024</a:t>
             </a:fld>
             <a:endParaRPr lang="en-US"/>
           </a:p>
@@ -2715,7 +2715,7 @@
           <a:p>
             <a:fld id="{3BE4ACE4-56CD-4131-A0FF-0470B0256083}" type="datetime1">
               <a:rPr lang="en-US" smtClean="0"/>
-              <a:t>11/1/2023</a:t>
+              <a:t>10/14/2024</a:t>
             </a:fld>
             <a:endParaRPr lang="en-US"/>
           </a:p>
@@ -3084,7 +3084,7 @@
           <a:p>
             <a:fld id="{F51977D8-380C-45B0-B086-366ECAD753E2}" type="datetime1">
               <a:rPr lang="en-US" smtClean="0"/>
-              <a:t>11/1/2023</a:t>
+              <a:t>10/14/2024</a:t>
             </a:fld>
             <a:endParaRPr lang="en-US"/>
           </a:p>
@@ -3461,7 +3461,7 @@
           <a:p>
             <a:fld id="{C75265DE-C2A2-48AD-A55D-FD1F5E978305}" type="datetime1">
               <a:rPr lang="en-US" smtClean="0"/>
-              <a:t>11/1/2023</a:t>
+              <a:t>10/14/2024</a:t>
             </a:fld>
             <a:endParaRPr lang="en-US"/>
           </a:p>
@@ -3748,7 +3748,7 @@
           <a:p>
             <a:fld id="{B0280B1A-E4C0-48BB-8A16-C563256AA880}" type="datetime1">
               <a:rPr lang="en-US" smtClean="0"/>
-              <a:t>11/1/2023</a:t>
+              <a:t>10/14/2024</a:t>
             </a:fld>
             <a:endParaRPr lang="en-US"/>
           </a:p>
@@ -4324,15 +4324,23 @@
           <a:p>
             <a:r>
               <a:rPr lang="en-US" dirty="0"/>
-              <a:t>Slides  ©2023 Rose </a:t>
+              <a:t>Slides  </a:t>
+            </a:r>
+            <a:r>
+              <a:rPr lang="en-US"/>
+              <a:t>©2024 </a:t>
+            </a:r>
+            <a:r>
+              <a:rPr lang="en-US" dirty="0"/>
+              <a:t>Rose </a:t>
             </a:r>
             <a:r>
               <a:rPr lang="en-US" dirty="0" err="1"/>
-              <a:t>bohrer</a:t>
-            </a:r>
-            <a:r>
-              <a:rPr lang="en-US" dirty="0"/>
-              <a:t>, used for cs 4536/536 at </a:t>
+              <a:t>bohrer,</a:t>
+            </a:r>
+            <a:r>
+              <a:rPr lang="en-US" dirty="0"/>
+              <a:t> used for cs 4536/536 at </a:t>
             </a:r>
             <a:r>
               <a:rPr lang="en-US" dirty="0" err="1"/>
